--- a/Java.pptx
+++ b/Java.pptx
@@ -5,7 +5,7 @@
     <p:sldMasterId id="2147483648" r:id="rId1"/>
   </p:sldMasterIdLst>
   <p:notesMasterIdLst>
-    <p:notesMasterId r:id="rId20"/>
+    <p:notesMasterId r:id="rId28"/>
   </p:notesMasterIdLst>
   <p:sldIdLst>
     <p:sldId id="256" r:id="rId2"/>
@@ -26,6 +26,14 @@
     <p:sldId id="261" r:id="rId17"/>
     <p:sldId id="270" r:id="rId18"/>
     <p:sldId id="271" r:id="rId19"/>
+    <p:sldId id="274" r:id="rId20"/>
+    <p:sldId id="275" r:id="rId21"/>
+    <p:sldId id="276" r:id="rId22"/>
+    <p:sldId id="277" r:id="rId23"/>
+    <p:sldId id="278" r:id="rId24"/>
+    <p:sldId id="279" r:id="rId25"/>
+    <p:sldId id="280" r:id="rId26"/>
+    <p:sldId id="281" r:id="rId27"/>
   </p:sldIdLst>
   <p:sldSz cx="12192000" cy="6858000"/>
   <p:notesSz cx="6858000" cy="9144000"/>
@@ -214,7 +222,7 @@
           <a:p>
             <a:fld id="{0F1E36F5-2D24-4BB0-8FF6-261BEAD866B1}" type="datetimeFigureOut">
               <a:rPr lang="en-US" smtClean="0"/>
-              <a:t>1/5/2023</a:t>
+              <a:t>1/29/2023</a:t>
             </a:fld>
             <a:endParaRPr lang="en-US"/>
           </a:p>
@@ -566,6 +574,594 @@
 </p:notes>
 </file>
 
+<file path=ppt/notesSlides/notesSlide2.xml><?xml version="1.0" encoding="utf-8"?>
+<p:notes xmlns:a="http://schemas.openxmlformats.org/drawingml/2006/main" xmlns:r="http://schemas.openxmlformats.org/officeDocument/2006/relationships" xmlns:p="http://schemas.openxmlformats.org/presentationml/2006/main">
+  <p:cSld>
+    <p:spTree>
+      <p:nvGrpSpPr>
+        <p:cNvPr id="1" name=""/>
+        <p:cNvGrpSpPr/>
+        <p:nvPr/>
+      </p:nvGrpSpPr>
+      <p:grpSpPr>
+        <a:xfrm>
+          <a:off x="0" y="0"/>
+          <a:ext cx="0" cy="0"/>
+          <a:chOff x="0" y="0"/>
+          <a:chExt cx="0" cy="0"/>
+        </a:xfrm>
+      </p:grpSpPr>
+      <p:sp>
+        <p:nvSpPr>
+          <p:cNvPr id="2" name="Slide Image Placeholder 1"/>
+          <p:cNvSpPr>
+            <a:spLocks noGrp="1" noRot="1" noChangeAspect="1"/>
+          </p:cNvSpPr>
+          <p:nvPr>
+            <p:ph type="sldImg"/>
+          </p:nvPr>
+        </p:nvSpPr>
+        <p:spPr/>
+      </p:sp>
+      <p:sp>
+        <p:nvSpPr>
+          <p:cNvPr id="3" name="Notes Placeholder 2"/>
+          <p:cNvSpPr>
+            <a:spLocks noGrp="1"/>
+          </p:cNvSpPr>
+          <p:nvPr>
+            <p:ph type="body" idx="1"/>
+          </p:nvPr>
+        </p:nvSpPr>
+        <p:spPr/>
+        <p:txBody>
+          <a:bodyPr/>
+          <a:lstStyle/>
+          <a:p>
+            <a:endParaRPr lang="en-US"/>
+          </a:p>
+        </p:txBody>
+      </p:sp>
+      <p:sp>
+        <p:nvSpPr>
+          <p:cNvPr id="4" name="Slide Number Placeholder 3"/>
+          <p:cNvSpPr>
+            <a:spLocks noGrp="1"/>
+          </p:cNvSpPr>
+          <p:nvPr>
+            <p:ph type="sldNum" sz="quarter" idx="10"/>
+          </p:nvPr>
+        </p:nvSpPr>
+        <p:spPr/>
+        <p:txBody>
+          <a:bodyPr/>
+          <a:lstStyle/>
+          <a:p>
+            <a:fld id="{4F63B348-37D3-46ED-90DF-8D73218CE136}" type="slidenum">
+              <a:rPr lang="en-US" smtClean="0"/>
+              <a:t>19</a:t>
+            </a:fld>
+            <a:endParaRPr lang="en-US"/>
+          </a:p>
+        </p:txBody>
+      </p:sp>
+    </p:spTree>
+    <p:extLst>
+      <p:ext uri="{BB962C8B-B14F-4D97-AF65-F5344CB8AC3E}">
+        <p14:creationId xmlns:p14="http://schemas.microsoft.com/office/powerpoint/2010/main" val="2292630623"/>
+      </p:ext>
+    </p:extLst>
+  </p:cSld>
+  <p:clrMapOvr>
+    <a:masterClrMapping/>
+  </p:clrMapOvr>
+</p:notes>
+</file>
+
+<file path=ppt/notesSlides/notesSlide3.xml><?xml version="1.0" encoding="utf-8"?>
+<p:notes xmlns:a="http://schemas.openxmlformats.org/drawingml/2006/main" xmlns:r="http://schemas.openxmlformats.org/officeDocument/2006/relationships" xmlns:p="http://schemas.openxmlformats.org/presentationml/2006/main">
+  <p:cSld>
+    <p:spTree>
+      <p:nvGrpSpPr>
+        <p:cNvPr id="1" name=""/>
+        <p:cNvGrpSpPr/>
+        <p:nvPr/>
+      </p:nvGrpSpPr>
+      <p:grpSpPr>
+        <a:xfrm>
+          <a:off x="0" y="0"/>
+          <a:ext cx="0" cy="0"/>
+          <a:chOff x="0" y="0"/>
+          <a:chExt cx="0" cy="0"/>
+        </a:xfrm>
+      </p:grpSpPr>
+      <p:sp>
+        <p:nvSpPr>
+          <p:cNvPr id="2" name="Slide Image Placeholder 1"/>
+          <p:cNvSpPr>
+            <a:spLocks noGrp="1" noRot="1" noChangeAspect="1"/>
+          </p:cNvSpPr>
+          <p:nvPr>
+            <p:ph type="sldImg"/>
+          </p:nvPr>
+        </p:nvSpPr>
+        <p:spPr/>
+      </p:sp>
+      <p:sp>
+        <p:nvSpPr>
+          <p:cNvPr id="3" name="Notes Placeholder 2"/>
+          <p:cNvSpPr>
+            <a:spLocks noGrp="1"/>
+          </p:cNvSpPr>
+          <p:nvPr>
+            <p:ph type="body" idx="1"/>
+          </p:nvPr>
+        </p:nvSpPr>
+        <p:spPr/>
+        <p:txBody>
+          <a:bodyPr/>
+          <a:lstStyle/>
+          <a:p>
+            <a:endParaRPr lang="en-US"/>
+          </a:p>
+        </p:txBody>
+      </p:sp>
+      <p:sp>
+        <p:nvSpPr>
+          <p:cNvPr id="4" name="Slide Number Placeholder 3"/>
+          <p:cNvSpPr>
+            <a:spLocks noGrp="1"/>
+          </p:cNvSpPr>
+          <p:nvPr>
+            <p:ph type="sldNum" sz="quarter" idx="10"/>
+          </p:nvPr>
+        </p:nvSpPr>
+        <p:spPr/>
+        <p:txBody>
+          <a:bodyPr/>
+          <a:lstStyle/>
+          <a:p>
+            <a:fld id="{4F63B348-37D3-46ED-90DF-8D73218CE136}" type="slidenum">
+              <a:rPr lang="en-US" smtClean="0"/>
+              <a:t>20</a:t>
+            </a:fld>
+            <a:endParaRPr lang="en-US"/>
+          </a:p>
+        </p:txBody>
+      </p:sp>
+    </p:spTree>
+    <p:extLst>
+      <p:ext uri="{BB962C8B-B14F-4D97-AF65-F5344CB8AC3E}">
+        <p14:creationId xmlns:p14="http://schemas.microsoft.com/office/powerpoint/2010/main" val="4065264556"/>
+      </p:ext>
+    </p:extLst>
+  </p:cSld>
+  <p:clrMapOvr>
+    <a:masterClrMapping/>
+  </p:clrMapOvr>
+</p:notes>
+</file>
+
+<file path=ppt/notesSlides/notesSlide4.xml><?xml version="1.0" encoding="utf-8"?>
+<p:notes xmlns:a="http://schemas.openxmlformats.org/drawingml/2006/main" xmlns:r="http://schemas.openxmlformats.org/officeDocument/2006/relationships" xmlns:p="http://schemas.openxmlformats.org/presentationml/2006/main">
+  <p:cSld>
+    <p:spTree>
+      <p:nvGrpSpPr>
+        <p:cNvPr id="1" name=""/>
+        <p:cNvGrpSpPr/>
+        <p:nvPr/>
+      </p:nvGrpSpPr>
+      <p:grpSpPr>
+        <a:xfrm>
+          <a:off x="0" y="0"/>
+          <a:ext cx="0" cy="0"/>
+          <a:chOff x="0" y="0"/>
+          <a:chExt cx="0" cy="0"/>
+        </a:xfrm>
+      </p:grpSpPr>
+      <p:sp>
+        <p:nvSpPr>
+          <p:cNvPr id="2" name="Slide Image Placeholder 1"/>
+          <p:cNvSpPr>
+            <a:spLocks noGrp="1" noRot="1" noChangeAspect="1"/>
+          </p:cNvSpPr>
+          <p:nvPr>
+            <p:ph type="sldImg"/>
+          </p:nvPr>
+        </p:nvSpPr>
+        <p:spPr/>
+      </p:sp>
+      <p:sp>
+        <p:nvSpPr>
+          <p:cNvPr id="3" name="Notes Placeholder 2"/>
+          <p:cNvSpPr>
+            <a:spLocks noGrp="1"/>
+          </p:cNvSpPr>
+          <p:nvPr>
+            <p:ph type="body" idx="1"/>
+          </p:nvPr>
+        </p:nvSpPr>
+        <p:spPr/>
+        <p:txBody>
+          <a:bodyPr/>
+          <a:lstStyle/>
+          <a:p>
+            <a:endParaRPr lang="en-US"/>
+          </a:p>
+        </p:txBody>
+      </p:sp>
+      <p:sp>
+        <p:nvSpPr>
+          <p:cNvPr id="4" name="Slide Number Placeholder 3"/>
+          <p:cNvSpPr>
+            <a:spLocks noGrp="1"/>
+          </p:cNvSpPr>
+          <p:nvPr>
+            <p:ph type="sldNum" sz="quarter" idx="10"/>
+          </p:nvPr>
+        </p:nvSpPr>
+        <p:spPr/>
+        <p:txBody>
+          <a:bodyPr/>
+          <a:lstStyle/>
+          <a:p>
+            <a:fld id="{4F63B348-37D3-46ED-90DF-8D73218CE136}" type="slidenum">
+              <a:rPr lang="en-US" smtClean="0"/>
+              <a:t>21</a:t>
+            </a:fld>
+            <a:endParaRPr lang="en-US"/>
+          </a:p>
+        </p:txBody>
+      </p:sp>
+    </p:spTree>
+    <p:extLst>
+      <p:ext uri="{BB962C8B-B14F-4D97-AF65-F5344CB8AC3E}">
+        <p14:creationId xmlns:p14="http://schemas.microsoft.com/office/powerpoint/2010/main" val="1147589212"/>
+      </p:ext>
+    </p:extLst>
+  </p:cSld>
+  <p:clrMapOvr>
+    <a:masterClrMapping/>
+  </p:clrMapOvr>
+</p:notes>
+</file>
+
+<file path=ppt/notesSlides/notesSlide5.xml><?xml version="1.0" encoding="utf-8"?>
+<p:notes xmlns:a="http://schemas.openxmlformats.org/drawingml/2006/main" xmlns:r="http://schemas.openxmlformats.org/officeDocument/2006/relationships" xmlns:p="http://schemas.openxmlformats.org/presentationml/2006/main">
+  <p:cSld>
+    <p:spTree>
+      <p:nvGrpSpPr>
+        <p:cNvPr id="1" name=""/>
+        <p:cNvGrpSpPr/>
+        <p:nvPr/>
+      </p:nvGrpSpPr>
+      <p:grpSpPr>
+        <a:xfrm>
+          <a:off x="0" y="0"/>
+          <a:ext cx="0" cy="0"/>
+          <a:chOff x="0" y="0"/>
+          <a:chExt cx="0" cy="0"/>
+        </a:xfrm>
+      </p:grpSpPr>
+      <p:sp>
+        <p:nvSpPr>
+          <p:cNvPr id="2" name="Slide Image Placeholder 1"/>
+          <p:cNvSpPr>
+            <a:spLocks noGrp="1" noRot="1" noChangeAspect="1"/>
+          </p:cNvSpPr>
+          <p:nvPr>
+            <p:ph type="sldImg"/>
+          </p:nvPr>
+        </p:nvSpPr>
+        <p:spPr/>
+      </p:sp>
+      <p:sp>
+        <p:nvSpPr>
+          <p:cNvPr id="3" name="Notes Placeholder 2"/>
+          <p:cNvSpPr>
+            <a:spLocks noGrp="1"/>
+          </p:cNvSpPr>
+          <p:nvPr>
+            <p:ph type="body" idx="1"/>
+          </p:nvPr>
+        </p:nvSpPr>
+        <p:spPr/>
+        <p:txBody>
+          <a:bodyPr/>
+          <a:lstStyle/>
+          <a:p>
+            <a:endParaRPr lang="en-US"/>
+          </a:p>
+        </p:txBody>
+      </p:sp>
+      <p:sp>
+        <p:nvSpPr>
+          <p:cNvPr id="4" name="Slide Number Placeholder 3"/>
+          <p:cNvSpPr>
+            <a:spLocks noGrp="1"/>
+          </p:cNvSpPr>
+          <p:nvPr>
+            <p:ph type="sldNum" sz="quarter" idx="10"/>
+          </p:nvPr>
+        </p:nvSpPr>
+        <p:spPr/>
+        <p:txBody>
+          <a:bodyPr/>
+          <a:lstStyle/>
+          <a:p>
+            <a:fld id="{4F63B348-37D3-46ED-90DF-8D73218CE136}" type="slidenum">
+              <a:rPr lang="en-US" smtClean="0"/>
+              <a:t>22</a:t>
+            </a:fld>
+            <a:endParaRPr lang="en-US"/>
+          </a:p>
+        </p:txBody>
+      </p:sp>
+    </p:spTree>
+    <p:extLst>
+      <p:ext uri="{BB962C8B-B14F-4D97-AF65-F5344CB8AC3E}">
+        <p14:creationId xmlns:p14="http://schemas.microsoft.com/office/powerpoint/2010/main" val="1949193209"/>
+      </p:ext>
+    </p:extLst>
+  </p:cSld>
+  <p:clrMapOvr>
+    <a:masterClrMapping/>
+  </p:clrMapOvr>
+</p:notes>
+</file>
+
+<file path=ppt/notesSlides/notesSlide6.xml><?xml version="1.0" encoding="utf-8"?>
+<p:notes xmlns:a="http://schemas.openxmlformats.org/drawingml/2006/main" xmlns:r="http://schemas.openxmlformats.org/officeDocument/2006/relationships" xmlns:p="http://schemas.openxmlformats.org/presentationml/2006/main">
+  <p:cSld>
+    <p:spTree>
+      <p:nvGrpSpPr>
+        <p:cNvPr id="1" name=""/>
+        <p:cNvGrpSpPr/>
+        <p:nvPr/>
+      </p:nvGrpSpPr>
+      <p:grpSpPr>
+        <a:xfrm>
+          <a:off x="0" y="0"/>
+          <a:ext cx="0" cy="0"/>
+          <a:chOff x="0" y="0"/>
+          <a:chExt cx="0" cy="0"/>
+        </a:xfrm>
+      </p:grpSpPr>
+      <p:sp>
+        <p:nvSpPr>
+          <p:cNvPr id="2" name="Slide Image Placeholder 1"/>
+          <p:cNvSpPr>
+            <a:spLocks noGrp="1" noRot="1" noChangeAspect="1"/>
+          </p:cNvSpPr>
+          <p:nvPr>
+            <p:ph type="sldImg"/>
+          </p:nvPr>
+        </p:nvSpPr>
+        <p:spPr/>
+      </p:sp>
+      <p:sp>
+        <p:nvSpPr>
+          <p:cNvPr id="3" name="Notes Placeholder 2"/>
+          <p:cNvSpPr>
+            <a:spLocks noGrp="1"/>
+          </p:cNvSpPr>
+          <p:nvPr>
+            <p:ph type="body" idx="1"/>
+          </p:nvPr>
+        </p:nvSpPr>
+        <p:spPr/>
+        <p:txBody>
+          <a:bodyPr/>
+          <a:lstStyle/>
+          <a:p>
+            <a:endParaRPr lang="en-US"/>
+          </a:p>
+        </p:txBody>
+      </p:sp>
+      <p:sp>
+        <p:nvSpPr>
+          <p:cNvPr id="4" name="Slide Number Placeholder 3"/>
+          <p:cNvSpPr>
+            <a:spLocks noGrp="1"/>
+          </p:cNvSpPr>
+          <p:nvPr>
+            <p:ph type="sldNum" sz="quarter" idx="10"/>
+          </p:nvPr>
+        </p:nvSpPr>
+        <p:spPr/>
+        <p:txBody>
+          <a:bodyPr/>
+          <a:lstStyle/>
+          <a:p>
+            <a:fld id="{4F63B348-37D3-46ED-90DF-8D73218CE136}" type="slidenum">
+              <a:rPr lang="en-US" smtClean="0"/>
+              <a:t>23</a:t>
+            </a:fld>
+            <a:endParaRPr lang="en-US"/>
+          </a:p>
+        </p:txBody>
+      </p:sp>
+    </p:spTree>
+    <p:extLst>
+      <p:ext uri="{BB962C8B-B14F-4D97-AF65-F5344CB8AC3E}">
+        <p14:creationId xmlns:p14="http://schemas.microsoft.com/office/powerpoint/2010/main" val="3560004232"/>
+      </p:ext>
+    </p:extLst>
+  </p:cSld>
+  <p:clrMapOvr>
+    <a:masterClrMapping/>
+  </p:clrMapOvr>
+</p:notes>
+</file>
+
+<file path=ppt/notesSlides/notesSlide7.xml><?xml version="1.0" encoding="utf-8"?>
+<p:notes xmlns:a="http://schemas.openxmlformats.org/drawingml/2006/main" xmlns:r="http://schemas.openxmlformats.org/officeDocument/2006/relationships" xmlns:p="http://schemas.openxmlformats.org/presentationml/2006/main">
+  <p:cSld>
+    <p:spTree>
+      <p:nvGrpSpPr>
+        <p:cNvPr id="1" name=""/>
+        <p:cNvGrpSpPr/>
+        <p:nvPr/>
+      </p:nvGrpSpPr>
+      <p:grpSpPr>
+        <a:xfrm>
+          <a:off x="0" y="0"/>
+          <a:ext cx="0" cy="0"/>
+          <a:chOff x="0" y="0"/>
+          <a:chExt cx="0" cy="0"/>
+        </a:xfrm>
+      </p:grpSpPr>
+      <p:sp>
+        <p:nvSpPr>
+          <p:cNvPr id="2" name="Slide Image Placeholder 1"/>
+          <p:cNvSpPr>
+            <a:spLocks noGrp="1" noRot="1" noChangeAspect="1"/>
+          </p:cNvSpPr>
+          <p:nvPr>
+            <p:ph type="sldImg"/>
+          </p:nvPr>
+        </p:nvSpPr>
+        <p:spPr/>
+      </p:sp>
+      <p:sp>
+        <p:nvSpPr>
+          <p:cNvPr id="3" name="Notes Placeholder 2"/>
+          <p:cNvSpPr>
+            <a:spLocks noGrp="1"/>
+          </p:cNvSpPr>
+          <p:nvPr>
+            <p:ph type="body" idx="1"/>
+          </p:nvPr>
+        </p:nvSpPr>
+        <p:spPr/>
+        <p:txBody>
+          <a:bodyPr/>
+          <a:lstStyle/>
+          <a:p>
+            <a:endParaRPr lang="en-US"/>
+          </a:p>
+        </p:txBody>
+      </p:sp>
+      <p:sp>
+        <p:nvSpPr>
+          <p:cNvPr id="4" name="Slide Number Placeholder 3"/>
+          <p:cNvSpPr>
+            <a:spLocks noGrp="1"/>
+          </p:cNvSpPr>
+          <p:nvPr>
+            <p:ph type="sldNum" sz="quarter" idx="10"/>
+          </p:nvPr>
+        </p:nvSpPr>
+        <p:spPr/>
+        <p:txBody>
+          <a:bodyPr/>
+          <a:lstStyle/>
+          <a:p>
+            <a:fld id="{4F63B348-37D3-46ED-90DF-8D73218CE136}" type="slidenum">
+              <a:rPr lang="en-US" smtClean="0"/>
+              <a:t>24</a:t>
+            </a:fld>
+            <a:endParaRPr lang="en-US"/>
+          </a:p>
+        </p:txBody>
+      </p:sp>
+    </p:spTree>
+    <p:extLst>
+      <p:ext uri="{BB962C8B-B14F-4D97-AF65-F5344CB8AC3E}">
+        <p14:creationId xmlns:p14="http://schemas.microsoft.com/office/powerpoint/2010/main" val="2846070088"/>
+      </p:ext>
+    </p:extLst>
+  </p:cSld>
+  <p:clrMapOvr>
+    <a:masterClrMapping/>
+  </p:clrMapOvr>
+</p:notes>
+</file>
+
+<file path=ppt/notesSlides/notesSlide8.xml><?xml version="1.0" encoding="utf-8"?>
+<p:notes xmlns:a="http://schemas.openxmlformats.org/drawingml/2006/main" xmlns:r="http://schemas.openxmlformats.org/officeDocument/2006/relationships" xmlns:p="http://schemas.openxmlformats.org/presentationml/2006/main">
+  <p:cSld>
+    <p:spTree>
+      <p:nvGrpSpPr>
+        <p:cNvPr id="1" name=""/>
+        <p:cNvGrpSpPr/>
+        <p:nvPr/>
+      </p:nvGrpSpPr>
+      <p:grpSpPr>
+        <a:xfrm>
+          <a:off x="0" y="0"/>
+          <a:ext cx="0" cy="0"/>
+          <a:chOff x="0" y="0"/>
+          <a:chExt cx="0" cy="0"/>
+        </a:xfrm>
+      </p:grpSpPr>
+      <p:sp>
+        <p:nvSpPr>
+          <p:cNvPr id="2" name="Slide Image Placeholder 1"/>
+          <p:cNvSpPr>
+            <a:spLocks noGrp="1" noRot="1" noChangeAspect="1"/>
+          </p:cNvSpPr>
+          <p:nvPr>
+            <p:ph type="sldImg"/>
+          </p:nvPr>
+        </p:nvSpPr>
+        <p:spPr/>
+      </p:sp>
+      <p:sp>
+        <p:nvSpPr>
+          <p:cNvPr id="3" name="Notes Placeholder 2"/>
+          <p:cNvSpPr>
+            <a:spLocks noGrp="1"/>
+          </p:cNvSpPr>
+          <p:nvPr>
+            <p:ph type="body" idx="1"/>
+          </p:nvPr>
+        </p:nvSpPr>
+        <p:spPr/>
+        <p:txBody>
+          <a:bodyPr/>
+          <a:lstStyle/>
+          <a:p>
+            <a:endParaRPr lang="en-US"/>
+          </a:p>
+        </p:txBody>
+      </p:sp>
+      <p:sp>
+        <p:nvSpPr>
+          <p:cNvPr id="4" name="Slide Number Placeholder 3"/>
+          <p:cNvSpPr>
+            <a:spLocks noGrp="1"/>
+          </p:cNvSpPr>
+          <p:nvPr>
+            <p:ph type="sldNum" sz="quarter" idx="10"/>
+          </p:nvPr>
+        </p:nvSpPr>
+        <p:spPr/>
+        <p:txBody>
+          <a:bodyPr/>
+          <a:lstStyle/>
+          <a:p>
+            <a:fld id="{4F63B348-37D3-46ED-90DF-8D73218CE136}" type="slidenum">
+              <a:rPr lang="en-US" smtClean="0"/>
+              <a:t>25</a:t>
+            </a:fld>
+            <a:endParaRPr lang="en-US"/>
+          </a:p>
+        </p:txBody>
+      </p:sp>
+    </p:spTree>
+    <p:extLst>
+      <p:ext uri="{BB962C8B-B14F-4D97-AF65-F5344CB8AC3E}">
+        <p14:creationId xmlns:p14="http://schemas.microsoft.com/office/powerpoint/2010/main" val="420518809"/>
+      </p:ext>
+    </p:extLst>
+  </p:cSld>
+  <p:clrMapOvr>
+    <a:masterClrMapping/>
+  </p:clrMapOvr>
+</p:notes>
+</file>
+
 <file path=ppt/slideLayouts/slideLayout1.xml><?xml version="1.0" encoding="utf-8"?>
 <p:sldLayout xmlns:a="http://schemas.openxmlformats.org/drawingml/2006/main" xmlns:r="http://schemas.openxmlformats.org/officeDocument/2006/relationships" xmlns:p="http://schemas.openxmlformats.org/presentationml/2006/main" type="title" preserve="1">
   <p:cSld name="Title Slide">
@@ -752,7 +1348,7 @@
           <a:p>
             <a:fld id="{4AAD347D-5ACD-4C99-B74B-A9C85AD731AF}" type="datetimeFigureOut">
               <a:rPr lang="en-US" dirty="0"/>
-              <a:t>1/5/2023</a:t>
+              <a:t>1/29/2023</a:t>
             </a:fld>
             <a:endParaRPr lang="en-US" dirty="0"/>
           </a:p>
@@ -1022,7 +1618,7 @@
           <a:p>
             <a:fld id="{4509A250-FF31-4206-8172-F9D3106AACB1}" type="datetimeFigureOut">
               <a:rPr lang="en-US" dirty="0"/>
-              <a:t>1/5/2023</a:t>
+              <a:t>1/29/2023</a:t>
             </a:fld>
             <a:endParaRPr lang="en-US" dirty="0"/>
           </a:p>
@@ -1211,7 +1807,7 @@
           <a:p>
             <a:fld id="{4509A250-FF31-4206-8172-F9D3106AACB1}" type="datetimeFigureOut">
               <a:rPr lang="en-US" dirty="0"/>
-              <a:t>1/5/2023</a:t>
+              <a:t>1/29/2023</a:t>
             </a:fld>
             <a:endParaRPr lang="en-US" dirty="0"/>
           </a:p>
@@ -1479,7 +2075,7 @@
           <a:p>
             <a:fld id="{4509A250-FF31-4206-8172-F9D3106AACB1}" type="datetimeFigureOut">
               <a:rPr lang="en-US" dirty="0"/>
-              <a:t>1/5/2023</a:t>
+              <a:t>1/29/2023</a:t>
             </a:fld>
             <a:endParaRPr lang="en-US" dirty="0"/>
           </a:p>
@@ -1815,7 +2411,7 @@
           <a:p>
             <a:fld id="{4509A250-FF31-4206-8172-F9D3106AACB1}" type="datetimeFigureOut">
               <a:rPr lang="en-US" dirty="0"/>
-              <a:t>1/5/2023</a:t>
+              <a:t>1/29/2023</a:t>
             </a:fld>
             <a:endParaRPr lang="en-US" dirty="0"/>
           </a:p>
@@ -2433,7 +3029,7 @@
           <a:p>
             <a:fld id="{4509A250-FF31-4206-8172-F9D3106AACB1}" type="datetimeFigureOut">
               <a:rPr lang="en-US" dirty="0"/>
-              <a:t>1/5/2023</a:t>
+              <a:t>1/29/2023</a:t>
             </a:fld>
             <a:endParaRPr lang="en-US" dirty="0"/>
           </a:p>
@@ -3288,7 +3884,7 @@
           <a:p>
             <a:fld id="{4509A250-FF31-4206-8172-F9D3106AACB1}" type="datetimeFigureOut">
               <a:rPr lang="en-US" dirty="0"/>
-              <a:t>1/5/2023</a:t>
+              <a:t>1/29/2023</a:t>
             </a:fld>
             <a:endParaRPr lang="en-US" dirty="0"/>
           </a:p>
@@ -3453,7 +4049,7 @@
           <a:p>
             <a:fld id="{4509A250-FF31-4206-8172-F9D3106AACB1}" type="datetimeFigureOut">
               <a:rPr lang="en-US" dirty="0"/>
-              <a:t>1/5/2023</a:t>
+              <a:t>1/29/2023</a:t>
             </a:fld>
             <a:endParaRPr lang="en-US" dirty="0"/>
           </a:p>
@@ -3628,7 +4224,7 @@
           <a:p>
             <a:fld id="{4509A250-FF31-4206-8172-F9D3106AACB1}" type="datetimeFigureOut">
               <a:rPr lang="en-US" dirty="0"/>
-              <a:t>1/5/2023</a:t>
+              <a:t>1/29/2023</a:t>
             </a:fld>
             <a:endParaRPr lang="en-US" dirty="0"/>
           </a:p>
@@ -3793,7 +4389,7 @@
           <a:p>
             <a:fld id="{4509A250-FF31-4206-8172-F9D3106AACB1}" type="datetimeFigureOut">
               <a:rPr lang="en-US" dirty="0"/>
-              <a:t>1/5/2023</a:t>
+              <a:t>1/29/2023</a:t>
             </a:fld>
             <a:endParaRPr lang="en-US" dirty="0"/>
           </a:p>
@@ -4035,7 +4631,7 @@
           <a:p>
             <a:fld id="{9796027F-7875-4030-9381-8BD8C4F21935}" type="datetimeFigureOut">
               <a:rPr lang="en-US" dirty="0"/>
-              <a:t>1/5/2023</a:t>
+              <a:t>1/29/2023</a:t>
             </a:fld>
             <a:endParaRPr lang="en-US" dirty="0"/>
           </a:p>
@@ -4322,7 +4918,7 @@
           <a:p>
             <a:fld id="{9796027F-7875-4030-9381-8BD8C4F21935}" type="datetimeFigureOut">
               <a:rPr lang="en-US" dirty="0"/>
-              <a:t>1/5/2023</a:t>
+              <a:t>1/29/2023</a:t>
             </a:fld>
             <a:endParaRPr lang="en-US" dirty="0"/>
           </a:p>
@@ -4761,7 +5357,7 @@
           <a:p>
             <a:fld id="{9796027F-7875-4030-9381-8BD8C4F21935}" type="datetimeFigureOut">
               <a:rPr lang="en-US" dirty="0"/>
-              <a:t>1/5/2023</a:t>
+              <a:t>1/29/2023</a:t>
             </a:fld>
             <a:endParaRPr lang="en-US" dirty="0"/>
           </a:p>
@@ -4874,7 +5470,7 @@
           <a:p>
             <a:fld id="{4509A250-FF31-4206-8172-F9D3106AACB1}" type="datetimeFigureOut">
               <a:rPr lang="en-US" dirty="0"/>
-              <a:t>1/5/2023</a:t>
+              <a:t>1/29/2023</a:t>
             </a:fld>
             <a:endParaRPr lang="en-US" dirty="0"/>
           </a:p>
@@ -4964,7 +5560,7 @@
           <a:p>
             <a:fld id="{4509A250-FF31-4206-8172-F9D3106AACB1}" type="datetimeFigureOut">
               <a:rPr lang="en-US" dirty="0"/>
-              <a:t>1/5/2023</a:t>
+              <a:t>1/29/2023</a:t>
             </a:fld>
             <a:endParaRPr lang="en-US" dirty="0"/>
           </a:p>
@@ -5238,7 +5834,7 @@
           <a:p>
             <a:fld id="{4509A250-FF31-4206-8172-F9D3106AACB1}" type="datetimeFigureOut">
               <a:rPr lang="en-US" dirty="0"/>
-              <a:t>1/5/2023</a:t>
+              <a:t>1/29/2023</a:t>
             </a:fld>
             <a:endParaRPr lang="en-US" dirty="0"/>
           </a:p>
@@ -5508,7 +6104,7 @@
           <a:p>
             <a:fld id="{4509A250-FF31-4206-8172-F9D3106AACB1}" type="datetimeFigureOut">
               <a:rPr lang="en-US" dirty="0"/>
-              <a:t>1/5/2023</a:t>
+              <a:t>1/29/2023</a:t>
             </a:fld>
             <a:endParaRPr lang="en-US" dirty="0"/>
           </a:p>
@@ -5932,7 +6528,7 @@
           <a:p>
             <a:fld id="{4AAD347D-5ACD-4C99-B74B-A9C85AD731AF}" type="datetimeFigureOut">
               <a:rPr lang="en-US" dirty="0"/>
-              <a:t>1/5/2023</a:t>
+              <a:t>1/29/2023</a:t>
             </a:fld>
             <a:endParaRPr lang="en-US" dirty="0"/>
           </a:p>
@@ -6998,7 +7594,7 @@
                 <a:latin typeface="Arial" panose="020B0604020202020204" pitchFamily="34" charset="0"/>
                 <a:cs typeface="Arial" panose="020B0604020202020204" pitchFamily="34" charset="0"/>
               </a:rPr>
-              <a:t>7</a:t>
+              <a:t>9</a:t>
             </a:r>
             <a:endParaRPr lang="en-US" sz="3600" b="1" dirty="0">
               <a:latin typeface="Arial" panose="020B0604020202020204" pitchFamily="34" charset="0"/>
@@ -7569,8 +8165,8 @@
         </p:nvSpPr>
         <p:spPr>
           <a:xfrm>
-            <a:off x="10549289" y="325102"/>
-            <a:ext cx="490888" cy="646331"/>
+            <a:off x="10366408" y="305851"/>
+            <a:ext cx="770021" cy="646331"/>
           </a:xfrm>
           <a:prstGeom prst="rect">
             <a:avLst/>
@@ -7588,7 +8184,7 @@
                 <a:latin typeface="Arial" panose="020B0604020202020204" pitchFamily="34" charset="0"/>
                 <a:cs typeface="Arial" panose="020B0604020202020204" pitchFamily="34" charset="0"/>
               </a:rPr>
-              <a:t>8</a:t>
+              <a:t>10</a:t>
             </a:r>
             <a:endParaRPr lang="en-US" sz="3600" b="1" dirty="0">
               <a:latin typeface="Arial" panose="020B0604020202020204" pitchFamily="34" charset="0"/>
@@ -7845,7 +8441,7 @@
         </p:nvSpPr>
         <p:spPr>
           <a:xfrm>
-            <a:off x="10568539" y="305851"/>
+            <a:off x="10395284" y="325102"/>
             <a:ext cx="712270" cy="646331"/>
           </a:xfrm>
           <a:prstGeom prst="rect">
@@ -7864,7 +8460,7 @@
                 <a:latin typeface="Arial" panose="020B0604020202020204" pitchFamily="34" charset="0"/>
                 <a:cs typeface="Arial" panose="020B0604020202020204" pitchFamily="34" charset="0"/>
               </a:rPr>
-              <a:t>9</a:t>
+              <a:t>11</a:t>
             </a:r>
             <a:endParaRPr lang="en-US" sz="3600" b="1" dirty="0">
               <a:latin typeface="Arial" panose="020B0604020202020204" pitchFamily="34" charset="0"/>
@@ -7971,7 +8567,7 @@
                 <a:latin typeface="Arial" panose="020B0604020202020204" pitchFamily="34" charset="0"/>
                 <a:cs typeface="Arial" panose="020B0604020202020204" pitchFamily="34" charset="0"/>
               </a:rPr>
-              <a:t>10</a:t>
+              <a:t>12</a:t>
             </a:r>
             <a:endParaRPr lang="en-US" sz="3600" b="1" dirty="0">
               <a:latin typeface="Arial" panose="020B0604020202020204" pitchFamily="34" charset="0"/>
@@ -8259,7 +8855,7 @@
                 <a:latin typeface="Arial" panose="020B0604020202020204" pitchFamily="34" charset="0"/>
                 <a:cs typeface="Arial" panose="020B0604020202020204" pitchFamily="34" charset="0"/>
               </a:rPr>
-              <a:t>11</a:t>
+              <a:t>13</a:t>
             </a:r>
             <a:endParaRPr lang="en-US" sz="3600" b="1" dirty="0">
               <a:latin typeface="Arial" panose="020B0604020202020204" pitchFamily="34" charset="0"/>
@@ -8782,7 +9378,7 @@
                 <a:latin typeface="Arial" panose="020B0604020202020204" pitchFamily="34" charset="0"/>
                 <a:cs typeface="Arial" panose="020B0604020202020204" pitchFamily="34" charset="0"/>
               </a:rPr>
-              <a:t>12</a:t>
+              <a:t>14</a:t>
             </a:r>
             <a:endParaRPr lang="en-US" sz="3600" b="1" dirty="0">
               <a:latin typeface="Arial" panose="020B0604020202020204" pitchFamily="34" charset="0"/>
@@ -9283,7 +9879,7 @@
                 <a:latin typeface="Arial" panose="020B0604020202020204" pitchFamily="34" charset="0"/>
                 <a:cs typeface="Arial" panose="020B0604020202020204" pitchFamily="34" charset="0"/>
               </a:rPr>
-              <a:t>13</a:t>
+              <a:t>15</a:t>
             </a:r>
             <a:endParaRPr lang="en-US" sz="3600" b="1" dirty="0">
               <a:latin typeface="Arial" panose="020B0604020202020204" pitchFamily="34" charset="0"/>
@@ -9700,7 +10296,7 @@
                 <a:latin typeface="Arial" panose="020B0604020202020204" pitchFamily="34" charset="0"/>
                 <a:cs typeface="Arial" panose="020B0604020202020204" pitchFamily="34" charset="0"/>
               </a:rPr>
-              <a:t>13</a:t>
+              <a:t>16</a:t>
             </a:r>
             <a:endParaRPr lang="en-US" sz="3600" b="1" dirty="0">
               <a:latin typeface="Arial" panose="020B0604020202020204" pitchFamily="34" charset="0"/>
@@ -9718,7 +10314,7 @@
         <p:spPr>
           <a:xfrm>
             <a:off x="187692" y="1241658"/>
-            <a:ext cx="12594657" cy="4093428"/>
+            <a:ext cx="12594657" cy="4401205"/>
           </a:xfrm>
           <a:prstGeom prst="rect">
             <a:avLst/>
@@ -9775,15 +10371,27 @@
                 <a:cs typeface="Arial" panose="020B0604020202020204" pitchFamily="34" charset="0"/>
                 <a:sym typeface="Wingdings" panose="05000000000000000000" pitchFamily="2" charset="2"/>
               </a:rPr>
-              <a:t> Javac classname.java</a:t>
+              <a:t> Javac </a:t>
             </a:r>
             <a:r>
               <a:rPr lang="en-US" sz="2000" dirty="0" smtClean="0">
                 <a:latin typeface="Arial" panose="020B0604020202020204" pitchFamily="34" charset="0"/>
                 <a:cs typeface="Arial" panose="020B0604020202020204" pitchFamily="34" charset="0"/>
-              </a:rPr>
-              <a:t>           (Class name’s first letter should be there in Caps)</a:t>
-            </a:r>
+                <a:sym typeface="Wingdings" panose="05000000000000000000" pitchFamily="2" charset="2"/>
+              </a:rPr>
+              <a:t>filename.java</a:t>
+            </a:r>
+            <a:r>
+              <a:rPr lang="en-US" sz="2000" dirty="0" smtClean="0">
+                <a:latin typeface="Arial" panose="020B0604020202020204" pitchFamily="34" charset="0"/>
+                <a:cs typeface="Arial" panose="020B0604020202020204" pitchFamily="34" charset="0"/>
+              </a:rPr>
+              <a:t>           </a:t>
+            </a:r>
+            <a:endParaRPr lang="en-US" sz="2000" dirty="0" smtClean="0">
+              <a:latin typeface="Arial" panose="020B0604020202020204" pitchFamily="34" charset="0"/>
+              <a:cs typeface="Arial" panose="020B0604020202020204" pitchFamily="34" charset="0"/>
+            </a:endParaRPr>
           </a:p>
           <a:p>
             <a:r>
@@ -9827,8 +10435,31 @@
                 <a:latin typeface="Arial" panose="020B0604020202020204" pitchFamily="34" charset="0"/>
                 <a:cs typeface="Arial" panose="020B0604020202020204" pitchFamily="34" charset="0"/>
               </a:rPr>
-              <a:t>javac Megha.java</a:t>
-            </a:r>
+              <a:t>javac </a:t>
+            </a:r>
+            <a:r>
+              <a:rPr lang="en-US" sz="2000" b="1" dirty="0" smtClean="0">
+                <a:solidFill>
+                  <a:schemeClr val="bg2">
+                    <a:lumMod val="60000"/>
+                    <a:lumOff val="40000"/>
+                  </a:schemeClr>
+                </a:solidFill>
+                <a:latin typeface="Arial" panose="020B0604020202020204" pitchFamily="34" charset="0"/>
+                <a:cs typeface="Arial" panose="020B0604020202020204" pitchFamily="34" charset="0"/>
+              </a:rPr>
+              <a:t>test.java</a:t>
+            </a:r>
+            <a:endParaRPr lang="en-US" sz="2000" b="1" dirty="0" smtClean="0">
+              <a:solidFill>
+                <a:schemeClr val="bg2">
+                  <a:lumMod val="60000"/>
+                  <a:lumOff val="40000"/>
+                </a:schemeClr>
+              </a:solidFill>
+              <a:latin typeface="Arial" panose="020B0604020202020204" pitchFamily="34" charset="0"/>
+              <a:cs typeface="Arial" panose="020B0604020202020204" pitchFamily="34" charset="0"/>
+            </a:endParaRPr>
           </a:p>
           <a:p>
             <a:endParaRPr lang="en-US" sz="2000" dirty="0">
@@ -9881,7 +10512,49 @@
                 <a:cs typeface="Arial" panose="020B0604020202020204" pitchFamily="34" charset="0"/>
                 <a:sym typeface="Wingdings" panose="05000000000000000000" pitchFamily="2" charset="2"/>
               </a:rPr>
-              <a:t> Java classname                    (There is no need to write .Java Extension) </a:t>
+              <a:t> Java classname    </a:t>
+            </a:r>
+            <a:r>
+              <a:rPr lang="en-US" sz="2000" dirty="0" smtClean="0">
+                <a:latin typeface="Arial" panose="020B0604020202020204" pitchFamily="34" charset="0"/>
+                <a:cs typeface="Arial" panose="020B0604020202020204" pitchFamily="34" charset="0"/>
+                <a:sym typeface="Wingdings" panose="05000000000000000000" pitchFamily="2" charset="2"/>
+              </a:rPr>
+              <a:t>                       (Classname should be there in Caps. </a:t>
+            </a:r>
+          </a:p>
+          <a:p>
+            <a:r>
+              <a:rPr lang="en-US" sz="2000" dirty="0">
+                <a:latin typeface="Arial" panose="020B0604020202020204" pitchFamily="34" charset="0"/>
+                <a:cs typeface="Arial" panose="020B0604020202020204" pitchFamily="34" charset="0"/>
+                <a:sym typeface="Wingdings" panose="05000000000000000000" pitchFamily="2" charset="2"/>
+              </a:rPr>
+              <a:t> </a:t>
+            </a:r>
+            <a:r>
+              <a:rPr lang="en-US" sz="2000" dirty="0" smtClean="0">
+                <a:latin typeface="Arial" panose="020B0604020202020204" pitchFamily="34" charset="0"/>
+                <a:cs typeface="Arial" panose="020B0604020202020204" pitchFamily="34" charset="0"/>
+                <a:sym typeface="Wingdings" panose="05000000000000000000" pitchFamily="2" charset="2"/>
+              </a:rPr>
+              <a:t>                                                                                               </a:t>
+            </a:r>
+            <a:r>
+              <a:rPr lang="en-US" sz="2000" dirty="0" smtClean="0">
+                <a:latin typeface="Arial" panose="020B0604020202020204" pitchFamily="34" charset="0"/>
+                <a:cs typeface="Arial" panose="020B0604020202020204" pitchFamily="34" charset="0"/>
+                <a:sym typeface="Wingdings" panose="05000000000000000000" pitchFamily="2" charset="2"/>
+              </a:rPr>
+              <a:t>There </a:t>
+            </a:r>
+            <a:r>
+              <a:rPr lang="en-US" sz="2000" dirty="0" smtClean="0">
+                <a:latin typeface="Arial" panose="020B0604020202020204" pitchFamily="34" charset="0"/>
+                <a:cs typeface="Arial" panose="020B0604020202020204" pitchFamily="34" charset="0"/>
+                <a:sym typeface="Wingdings" panose="05000000000000000000" pitchFamily="2" charset="2"/>
+              </a:rPr>
+              <a:t>is no need to write .Java Extension) </a:t>
             </a:r>
           </a:p>
           <a:p>
@@ -10048,7 +10721,7 @@
                 <a:latin typeface="Arial" panose="020B0604020202020204" pitchFamily="34" charset="0"/>
                 <a:cs typeface="Arial" panose="020B0604020202020204" pitchFamily="34" charset="0"/>
               </a:rPr>
-              <a:t>13</a:t>
+              <a:t>17</a:t>
             </a:r>
             <a:endParaRPr lang="en-US" sz="3600" b="1" dirty="0">
               <a:latin typeface="Arial" panose="020B0604020202020204" pitchFamily="34" charset="0"/>
@@ -10066,14 +10739,14 @@
           <p:nvPr>
             <p:extLst>
               <p:ext uri="{D42A27DB-BD31-4B8C-83A1-F6EECF244321}">
-                <p14:modId xmlns:p14="http://schemas.microsoft.com/office/powerpoint/2010/main" val="2429693676"/>
+                <p14:modId xmlns:p14="http://schemas.microsoft.com/office/powerpoint/2010/main" val="3977925043"/>
               </p:ext>
             </p:extLst>
           </p:nvPr>
         </p:nvGraphicFramePr>
         <p:xfrm>
           <a:off x="626711" y="1268306"/>
-          <a:ext cx="8128000" cy="3078480"/>
+          <a:ext cx="9807074" cy="1889760"/>
         </p:xfrm>
         <a:graphic>
           <a:graphicData uri="http://schemas.openxmlformats.org/drawingml/2006/table">
@@ -10096,7 +10769,7 @@
                     </a:ext>
                   </a:extLst>
                 </a:gridCol>
-                <a:gridCol w="1240032">
+                <a:gridCol w="2919106">
                   <a:extLst>
                     <a:ext uri="{9D8B030D-6E8A-4147-A177-3AD203B41FA5}">
                       <a16:colId xmlns:a16="http://schemas.microsoft.com/office/drawing/2014/main" val="1646317102"/>
@@ -10111,13 +10784,13 @@
                     <a:lstStyle/>
                     <a:p>
                       <a:r>
-                        <a:rPr lang="en-US" sz="2000" dirty="0" smtClean="0">
+                        <a:rPr lang="en-US" sz="2000" b="0" dirty="0" smtClean="0">
                           <a:latin typeface="Arial" panose="020B0604020202020204" pitchFamily="34" charset="0"/>
                           <a:cs typeface="Arial" panose="020B0604020202020204" pitchFamily="34" charset="0"/>
                         </a:rPr>
                         <a:t>1.</a:t>
                       </a:r>
-                      <a:endParaRPr lang="en-US" sz="2000" dirty="0">
+                      <a:endParaRPr lang="en-US" sz="2000" b="0" dirty="0">
                         <a:latin typeface="Arial" panose="020B0604020202020204" pitchFamily="34" charset="0"/>
                         <a:cs typeface="Arial" panose="020B0604020202020204" pitchFamily="34" charset="0"/>
                       </a:endParaRPr>
@@ -10148,7 +10821,7 @@
                         <a:defRPr/>
                       </a:pPr>
                       <a:r>
-                        <a:rPr lang="en-US" sz="2000" dirty="0" smtClean="0">
+                        <a:rPr lang="en-US" sz="2000" b="0" dirty="0" smtClean="0">
                           <a:latin typeface="Arial" panose="020B0604020202020204" pitchFamily="34" charset="0"/>
                           <a:cs typeface="Arial" panose="020B0604020202020204" pitchFamily="34" charset="0"/>
                         </a:rPr>
@@ -10156,7 +10829,7 @@
                       </a:r>
                     </a:p>
                     <a:p>
-                      <a:endParaRPr lang="en-US" sz="2000" dirty="0">
+                      <a:endParaRPr lang="en-US" sz="2000" b="0" dirty="0">
                         <a:latin typeface="Arial" panose="020B0604020202020204" pitchFamily="34" charset="0"/>
                         <a:cs typeface="Arial" panose="020B0604020202020204" pitchFamily="34" charset="0"/>
                       </a:endParaRPr>
@@ -10187,7 +10860,7 @@
                         <a:defRPr/>
                       </a:pPr>
                       <a:r>
-                        <a:rPr lang="en-US" sz="2000" dirty="0" smtClean="0">
+                        <a:rPr lang="en-US" sz="2000" b="0" dirty="0" smtClean="0">
                           <a:latin typeface="Arial" panose="020B0604020202020204" pitchFamily="34" charset="0"/>
                           <a:cs typeface="Arial" panose="020B0604020202020204" pitchFamily="34" charset="0"/>
                         </a:rPr>
@@ -10196,7 +10869,7 @@
                     </a:p>
                     <a:p>
                       <a:pPr algn="l"/>
-                      <a:endParaRPr lang="en-US" sz="2000" dirty="0">
+                      <a:endParaRPr lang="en-US" sz="2000" b="0" dirty="0">
                         <a:latin typeface="Arial" panose="020B0604020202020204" pitchFamily="34" charset="0"/>
                         <a:cs typeface="Arial" panose="020B0604020202020204" pitchFamily="34" charset="0"/>
                       </a:endParaRPr>
@@ -10330,7 +11003,7 @@
                           <a:latin typeface="Arial" panose="020B0604020202020204" pitchFamily="34" charset="0"/>
                           <a:cs typeface="Arial" panose="020B0604020202020204" pitchFamily="34" charset="0"/>
                         </a:rPr>
-                        <a:t>Java</a:t>
+                        <a:t>Javac test.java</a:t>
                       </a:r>
                       <a:endParaRPr lang="en-US" sz="2000" dirty="0">
                         <a:latin typeface="Arial" panose="020B0604020202020204" pitchFamily="34" charset="0"/>
@@ -10352,7 +11025,14 @@
                     <a:bodyPr/>
                     <a:lstStyle/>
                     <a:p>
-                      <a:endParaRPr lang="en-US" sz="2000">
+                      <a:r>
+                        <a:rPr lang="en-US" sz="2000" dirty="0" smtClean="0">
+                          <a:latin typeface="Arial" panose="020B0604020202020204" pitchFamily="34" charset="0"/>
+                          <a:cs typeface="Arial" panose="020B0604020202020204" pitchFamily="34" charset="0"/>
+                        </a:rPr>
+                        <a:t>4.</a:t>
+                      </a:r>
+                      <a:endParaRPr lang="en-US" sz="2000" dirty="0">
                         <a:latin typeface="Arial" panose="020B0604020202020204" pitchFamily="34" charset="0"/>
                         <a:cs typeface="Arial" panose="020B0604020202020204" pitchFamily="34" charset="0"/>
                       </a:endParaRPr>
@@ -10365,7 +11045,14 @@
                     <a:bodyPr/>
                     <a:lstStyle/>
                     <a:p>
-                      <a:endParaRPr lang="en-US" sz="2000">
+                      <a:r>
+                        <a:rPr lang="en-US" sz="2000" dirty="0" smtClean="0">
+                          <a:latin typeface="Arial" panose="020B0604020202020204" pitchFamily="34" charset="0"/>
+                          <a:cs typeface="Arial" panose="020B0604020202020204" pitchFamily="34" charset="0"/>
+                        </a:rPr>
+                        <a:t>How to run the given program ?</a:t>
+                      </a:r>
+                      <a:endParaRPr lang="en-US" sz="2000" dirty="0">
                         <a:latin typeface="Arial" panose="020B0604020202020204" pitchFamily="34" charset="0"/>
                         <a:cs typeface="Arial" panose="020B0604020202020204" pitchFamily="34" charset="0"/>
                       </a:endParaRPr>
@@ -10379,6 +11066,13 @@
                     <a:lstStyle/>
                     <a:p>
                       <a:pPr algn="l"/>
+                      <a:r>
+                        <a:rPr lang="en-US" sz="2000" dirty="0" smtClean="0">
+                          <a:latin typeface="Arial" panose="020B0604020202020204" pitchFamily="34" charset="0"/>
+                          <a:cs typeface="Arial" panose="020B0604020202020204" pitchFamily="34" charset="0"/>
+                        </a:rPr>
+                        <a:t>Java Classname</a:t>
+                      </a:r>
                       <a:endParaRPr lang="en-US" sz="2000" dirty="0">
                         <a:latin typeface="Arial" panose="020B0604020202020204" pitchFamily="34" charset="0"/>
                         <a:cs typeface="Arial" panose="020B0604020202020204" pitchFamily="34" charset="0"/>
@@ -10393,144 +11087,6 @@
                   </a:ext>
                 </a:extLst>
               </a:tr>
-              <a:tr h="370840">
-                <a:tc>
-                  <a:txBody>
-                    <a:bodyPr/>
-                    <a:lstStyle/>
-                    <a:p>
-                      <a:endParaRPr lang="en-US" sz="2000">
-                        <a:latin typeface="Arial" panose="020B0604020202020204" pitchFamily="34" charset="0"/>
-                        <a:cs typeface="Arial" panose="020B0604020202020204" pitchFamily="34" charset="0"/>
-                      </a:endParaRPr>
-                    </a:p>
-                  </a:txBody>
-                  <a:tcPr/>
-                </a:tc>
-                <a:tc>
-                  <a:txBody>
-                    <a:bodyPr/>
-                    <a:lstStyle/>
-                    <a:p>
-                      <a:endParaRPr lang="en-US" sz="2000">
-                        <a:latin typeface="Arial" panose="020B0604020202020204" pitchFamily="34" charset="0"/>
-                        <a:cs typeface="Arial" panose="020B0604020202020204" pitchFamily="34" charset="0"/>
-                      </a:endParaRPr>
-                    </a:p>
-                  </a:txBody>
-                  <a:tcPr/>
-                </a:tc>
-                <a:tc>
-                  <a:txBody>
-                    <a:bodyPr/>
-                    <a:lstStyle/>
-                    <a:p>
-                      <a:endParaRPr lang="en-US" sz="2000">
-                        <a:latin typeface="Arial" panose="020B0604020202020204" pitchFamily="34" charset="0"/>
-                        <a:cs typeface="Arial" panose="020B0604020202020204" pitchFamily="34" charset="0"/>
-                      </a:endParaRPr>
-                    </a:p>
-                  </a:txBody>
-                  <a:tcPr/>
-                </a:tc>
-                <a:extLst>
-                  <a:ext uri="{0D108BD9-81ED-4DB2-BD59-A6C34878D82A}">
-                    <a16:rowId xmlns:a16="http://schemas.microsoft.com/office/drawing/2014/main" val="681260503"/>
-                  </a:ext>
-                </a:extLst>
-              </a:tr>
-              <a:tr h="370840">
-                <a:tc>
-                  <a:txBody>
-                    <a:bodyPr/>
-                    <a:lstStyle/>
-                    <a:p>
-                      <a:endParaRPr lang="en-US" sz="2000">
-                        <a:latin typeface="Arial" panose="020B0604020202020204" pitchFamily="34" charset="0"/>
-                        <a:cs typeface="Arial" panose="020B0604020202020204" pitchFamily="34" charset="0"/>
-                      </a:endParaRPr>
-                    </a:p>
-                  </a:txBody>
-                  <a:tcPr/>
-                </a:tc>
-                <a:tc>
-                  <a:txBody>
-                    <a:bodyPr/>
-                    <a:lstStyle/>
-                    <a:p>
-                      <a:endParaRPr lang="en-US" sz="2000">
-                        <a:latin typeface="Arial" panose="020B0604020202020204" pitchFamily="34" charset="0"/>
-                        <a:cs typeface="Arial" panose="020B0604020202020204" pitchFamily="34" charset="0"/>
-                      </a:endParaRPr>
-                    </a:p>
-                  </a:txBody>
-                  <a:tcPr/>
-                </a:tc>
-                <a:tc>
-                  <a:txBody>
-                    <a:bodyPr/>
-                    <a:lstStyle/>
-                    <a:p>
-                      <a:endParaRPr lang="en-US" sz="2000">
-                        <a:latin typeface="Arial" panose="020B0604020202020204" pitchFamily="34" charset="0"/>
-                        <a:cs typeface="Arial" panose="020B0604020202020204" pitchFamily="34" charset="0"/>
-                      </a:endParaRPr>
-                    </a:p>
-                  </a:txBody>
-                  <a:tcPr/>
-                </a:tc>
-                <a:extLst>
-                  <a:ext uri="{0D108BD9-81ED-4DB2-BD59-A6C34878D82A}">
-                    <a16:rowId xmlns:a16="http://schemas.microsoft.com/office/drawing/2014/main" val="2723403699"/>
-                  </a:ext>
-                </a:extLst>
-              </a:tr>
-              <a:tr h="370840">
-                <a:tc>
-                  <a:txBody>
-                    <a:bodyPr/>
-                    <a:lstStyle/>
-                    <a:p>
-                      <a:endParaRPr lang="en-US" sz="2000" dirty="0">
-                        <a:latin typeface="Arial" panose="020B0604020202020204" pitchFamily="34" charset="0"/>
-                        <a:cs typeface="Arial" panose="020B0604020202020204" pitchFamily="34" charset="0"/>
-                      </a:endParaRPr>
-                    </a:p>
-                  </a:txBody>
-                  <a:tcPr/>
-                </a:tc>
-                <a:tc>
-                  <a:txBody>
-                    <a:bodyPr/>
-                    <a:lstStyle/>
-                    <a:p>
-                      <a:endParaRPr lang="en-US" sz="2000">
-                        <a:latin typeface="Arial" panose="020B0604020202020204" pitchFamily="34" charset="0"/>
-                        <a:cs typeface="Arial" panose="020B0604020202020204" pitchFamily="34" charset="0"/>
-                      </a:endParaRPr>
-                    </a:p>
-                  </a:txBody>
-                  <a:tcPr/>
-                </a:tc>
-                <a:tc>
-                  <a:txBody>
-                    <a:bodyPr/>
-                    <a:lstStyle/>
-                    <a:p>
-                      <a:endParaRPr lang="en-US" sz="2000" dirty="0">
-                        <a:latin typeface="Arial" panose="020B0604020202020204" pitchFamily="34" charset="0"/>
-                        <a:cs typeface="Arial" panose="020B0604020202020204" pitchFamily="34" charset="0"/>
-                      </a:endParaRPr>
-                    </a:p>
-                  </a:txBody>
-                  <a:tcPr/>
-                </a:tc>
-                <a:extLst>
-                  <a:ext uri="{0D108BD9-81ED-4DB2-BD59-A6C34878D82A}">
-                    <a16:rowId xmlns:a16="http://schemas.microsoft.com/office/drawing/2014/main" val="3510723904"/>
-                  </a:ext>
-                </a:extLst>
-              </a:tr>
             </a:tbl>
           </a:graphicData>
         </a:graphic>
@@ -10539,6 +11095,191 @@
     <p:extLst>
       <p:ext uri="{BB962C8B-B14F-4D97-AF65-F5344CB8AC3E}">
         <p14:creationId xmlns:p14="http://schemas.microsoft.com/office/powerpoint/2010/main" val="347399839"/>
+      </p:ext>
+    </p:extLst>
+  </p:cSld>
+  <p:clrMapOvr>
+    <a:masterClrMapping/>
+  </p:clrMapOvr>
+  <p:timing>
+    <p:tnLst>
+      <p:par>
+        <p:cTn id="1" dur="indefinite" restart="never" nodeType="tmRoot"/>
+      </p:par>
+    </p:tnLst>
+  </p:timing>
+</p:sld>
+</file>
+
+<file path=ppt/slides/slide19.xml><?xml version="1.0" encoding="utf-8"?>
+<p:sld xmlns:a="http://schemas.openxmlformats.org/drawingml/2006/main" xmlns:r="http://schemas.openxmlformats.org/officeDocument/2006/relationships" xmlns:p="http://schemas.openxmlformats.org/presentationml/2006/main">
+  <p:cSld>
+    <p:spTree>
+      <p:nvGrpSpPr>
+        <p:cNvPr id="1" name=""/>
+        <p:cNvGrpSpPr/>
+        <p:nvPr/>
+      </p:nvGrpSpPr>
+      <p:grpSpPr>
+        <a:xfrm>
+          <a:off x="0" y="0"/>
+          <a:ext cx="0" cy="0"/>
+          <a:chOff x="0" y="0"/>
+          <a:chExt cx="0" cy="0"/>
+        </a:xfrm>
+      </p:grpSpPr>
+      <p:sp>
+        <p:nvSpPr>
+          <p:cNvPr id="2" name="Title 1"/>
+          <p:cNvSpPr>
+            <a:spLocks noGrp="1"/>
+          </p:cNvSpPr>
+          <p:nvPr>
+            <p:ph type="title"/>
+          </p:nvPr>
+        </p:nvSpPr>
+        <p:spPr>
+          <a:xfrm>
+            <a:off x="0" y="125459"/>
+            <a:ext cx="9827394" cy="750440"/>
+          </a:xfrm>
+        </p:spPr>
+        <p:txBody>
+          <a:bodyPr/>
+          <a:lstStyle/>
+          <a:p>
+            <a:r>
+              <a:rPr lang="en-US" sz="3200" b="1" dirty="0" smtClean="0">
+                <a:latin typeface="Arial" panose="020B0604020202020204" pitchFamily="34" charset="0"/>
+                <a:cs typeface="Arial" panose="020B0604020202020204" pitchFamily="34" charset="0"/>
+              </a:rPr>
+              <a:t>Sample program in Notepad Method</a:t>
+            </a:r>
+            <a:endParaRPr lang="en-US" sz="3200" b="1" dirty="0">
+              <a:latin typeface="Arial" panose="020B0604020202020204" pitchFamily="34" charset="0"/>
+              <a:cs typeface="Arial" panose="020B0604020202020204" pitchFamily="34" charset="0"/>
+            </a:endParaRPr>
+          </a:p>
+        </p:txBody>
+      </p:sp>
+      <p:sp>
+        <p:nvSpPr>
+          <p:cNvPr id="4" name="TextBox 3"/>
+          <p:cNvSpPr txBox="1"/>
+          <p:nvPr/>
+        </p:nvSpPr>
+        <p:spPr>
+          <a:xfrm>
+            <a:off x="10395284" y="353978"/>
+            <a:ext cx="760396" cy="646331"/>
+          </a:xfrm>
+          <a:prstGeom prst="rect">
+            <a:avLst/>
+          </a:prstGeom>
+          <a:noFill/>
+        </p:spPr>
+        <p:txBody>
+          <a:bodyPr wrap="square" rtlCol="0">
+            <a:spAutoFit/>
+          </a:bodyPr>
+          <a:lstStyle/>
+          <a:p>
+            <a:r>
+              <a:rPr lang="en-US" sz="3600" b="1" dirty="0" smtClean="0">
+                <a:latin typeface="Arial" panose="020B0604020202020204" pitchFamily="34" charset="0"/>
+                <a:cs typeface="Arial" panose="020B0604020202020204" pitchFamily="34" charset="0"/>
+              </a:rPr>
+              <a:t>18</a:t>
+            </a:r>
+            <a:endParaRPr lang="en-US" sz="3600" b="1" dirty="0">
+              <a:latin typeface="Arial" panose="020B0604020202020204" pitchFamily="34" charset="0"/>
+              <a:cs typeface="Arial" panose="020B0604020202020204" pitchFamily="34" charset="0"/>
+            </a:endParaRPr>
+          </a:p>
+        </p:txBody>
+      </p:sp>
+      <p:pic>
+        <p:nvPicPr>
+          <p:cNvPr id="7" name="Picture 6"/>
+          <p:cNvPicPr>
+            <a:picLocks noChangeAspect="1"/>
+          </p:cNvPicPr>
+          <p:nvPr/>
+        </p:nvPicPr>
+        <p:blipFill rotWithShape="1">
+          <a:blip r:embed="rId3"/>
+          <a:srcRect l="44723" b="5751"/>
+          <a:stretch/>
+        </p:blipFill>
+        <p:spPr>
+          <a:xfrm>
+            <a:off x="847022" y="875899"/>
+            <a:ext cx="8816743" cy="5592996"/>
+          </a:xfrm>
+          <a:prstGeom prst="rect">
+            <a:avLst/>
+          </a:prstGeom>
+        </p:spPr>
+      </p:pic>
+      <p:sp>
+        <p:nvSpPr>
+          <p:cNvPr id="9" name="Oval 8"/>
+          <p:cNvSpPr/>
+          <p:nvPr/>
+        </p:nvSpPr>
+        <p:spPr>
+          <a:xfrm>
+            <a:off x="2310064" y="5139891"/>
+            <a:ext cx="1299409" cy="317634"/>
+          </a:xfrm>
+          <a:prstGeom prst="ellipse">
+            <a:avLst/>
+          </a:prstGeom>
+          <a:noFill/>
+          <a:ln>
+            <a:solidFill>
+              <a:srgbClr val="00B050"/>
+            </a:solidFill>
+          </a:ln>
+        </p:spPr>
+        <p:style>
+          <a:lnRef idx="2">
+            <a:schemeClr val="accent1">
+              <a:shade val="50000"/>
+            </a:schemeClr>
+          </a:lnRef>
+          <a:fillRef idx="1">
+            <a:schemeClr val="accent1"/>
+          </a:fillRef>
+          <a:effectRef idx="0">
+            <a:schemeClr val="accent1"/>
+          </a:effectRef>
+          <a:fontRef idx="minor">
+            <a:schemeClr val="lt1"/>
+          </a:fontRef>
+        </p:style>
+        <p:txBody>
+          <a:bodyPr rtlCol="0" anchor="ctr"/>
+          <a:lstStyle/>
+          <a:p>
+            <a:pPr algn="ctr"/>
+            <a:endParaRPr lang="en-US">
+              <a:ln>
+                <a:solidFill>
+                  <a:schemeClr val="bg1"/>
+                </a:solidFill>
+              </a:ln>
+              <a:solidFill>
+                <a:schemeClr val="tx1"/>
+              </a:solidFill>
+            </a:endParaRPr>
+          </a:p>
+        </p:txBody>
+      </p:sp>
+    </p:spTree>
+    <p:extLst>
+      <p:ext uri="{BB962C8B-B14F-4D97-AF65-F5344CB8AC3E}">
+        <p14:creationId xmlns:p14="http://schemas.microsoft.com/office/powerpoint/2010/main" val="2771868033"/>
       </p:ext>
     </p:extLst>
   </p:cSld>
@@ -11077,6 +11818,1790 @@
 </p:sld>
 </file>
 
+<file path=ppt/slides/slide20.xml><?xml version="1.0" encoding="utf-8"?>
+<p:sld xmlns:a="http://schemas.openxmlformats.org/drawingml/2006/main" xmlns:r="http://schemas.openxmlformats.org/officeDocument/2006/relationships" xmlns:p="http://schemas.openxmlformats.org/presentationml/2006/main">
+  <p:cSld>
+    <p:spTree>
+      <p:nvGrpSpPr>
+        <p:cNvPr id="1" name=""/>
+        <p:cNvGrpSpPr/>
+        <p:nvPr/>
+      </p:nvGrpSpPr>
+      <p:grpSpPr>
+        <a:xfrm>
+          <a:off x="0" y="0"/>
+          <a:ext cx="0" cy="0"/>
+          <a:chOff x="0" y="0"/>
+          <a:chExt cx="0" cy="0"/>
+        </a:xfrm>
+      </p:grpSpPr>
+      <p:sp>
+        <p:nvSpPr>
+          <p:cNvPr id="2" name="Title 1"/>
+          <p:cNvSpPr>
+            <a:spLocks noGrp="1"/>
+          </p:cNvSpPr>
+          <p:nvPr>
+            <p:ph type="title"/>
+          </p:nvPr>
+        </p:nvSpPr>
+        <p:spPr>
+          <a:xfrm>
+            <a:off x="0" y="125459"/>
+            <a:ext cx="9827394" cy="750440"/>
+          </a:xfrm>
+        </p:spPr>
+        <p:txBody>
+          <a:bodyPr/>
+          <a:lstStyle/>
+          <a:p>
+            <a:r>
+              <a:rPr lang="en-US" sz="3200" b="1" dirty="0" smtClean="0">
+                <a:latin typeface="Arial" panose="020B0604020202020204" pitchFamily="34" charset="0"/>
+                <a:cs typeface="Arial" panose="020B0604020202020204" pitchFamily="34" charset="0"/>
+              </a:rPr>
+              <a:t>Sample program in Notepad Method</a:t>
+            </a:r>
+            <a:endParaRPr lang="en-US" sz="3200" b="1" dirty="0">
+              <a:latin typeface="Arial" panose="020B0604020202020204" pitchFamily="34" charset="0"/>
+              <a:cs typeface="Arial" panose="020B0604020202020204" pitchFamily="34" charset="0"/>
+            </a:endParaRPr>
+          </a:p>
+        </p:txBody>
+      </p:sp>
+      <p:sp>
+        <p:nvSpPr>
+          <p:cNvPr id="4" name="TextBox 3"/>
+          <p:cNvSpPr txBox="1"/>
+          <p:nvPr/>
+        </p:nvSpPr>
+        <p:spPr>
+          <a:xfrm>
+            <a:off x="10395284" y="353978"/>
+            <a:ext cx="760396" cy="646331"/>
+          </a:xfrm>
+          <a:prstGeom prst="rect">
+            <a:avLst/>
+          </a:prstGeom>
+          <a:noFill/>
+        </p:spPr>
+        <p:txBody>
+          <a:bodyPr wrap="square" rtlCol="0">
+            <a:spAutoFit/>
+          </a:bodyPr>
+          <a:lstStyle/>
+          <a:p>
+            <a:r>
+              <a:rPr lang="en-US" sz="3600" b="1" dirty="0" smtClean="0">
+                <a:latin typeface="Arial" panose="020B0604020202020204" pitchFamily="34" charset="0"/>
+                <a:cs typeface="Arial" panose="020B0604020202020204" pitchFamily="34" charset="0"/>
+              </a:rPr>
+              <a:t>19</a:t>
+            </a:r>
+            <a:endParaRPr lang="en-US" sz="3600" b="1" dirty="0">
+              <a:latin typeface="Arial" panose="020B0604020202020204" pitchFamily="34" charset="0"/>
+              <a:cs typeface="Arial" panose="020B0604020202020204" pitchFamily="34" charset="0"/>
+            </a:endParaRPr>
+          </a:p>
+        </p:txBody>
+      </p:sp>
+      <p:pic>
+        <p:nvPicPr>
+          <p:cNvPr id="3" name="Picture 2"/>
+          <p:cNvPicPr>
+            <a:picLocks noChangeAspect="1"/>
+          </p:cNvPicPr>
+          <p:nvPr/>
+        </p:nvPicPr>
+        <p:blipFill rotWithShape="1">
+          <a:blip r:embed="rId3"/>
+          <a:srcRect r="20782" b="8285"/>
+          <a:stretch/>
+        </p:blipFill>
+        <p:spPr>
+          <a:xfrm>
+            <a:off x="548641" y="1731829"/>
+            <a:ext cx="11030551" cy="4639377"/>
+          </a:xfrm>
+          <a:prstGeom prst="rect">
+            <a:avLst/>
+          </a:prstGeom>
+        </p:spPr>
+      </p:pic>
+      <p:sp>
+        <p:nvSpPr>
+          <p:cNvPr id="5" name="TextBox 4"/>
+          <p:cNvSpPr txBox="1"/>
+          <p:nvPr/>
+        </p:nvSpPr>
+        <p:spPr>
+          <a:xfrm>
+            <a:off x="548641" y="1000309"/>
+            <a:ext cx="3195587" cy="400110"/>
+          </a:xfrm>
+          <a:prstGeom prst="rect">
+            <a:avLst/>
+          </a:prstGeom>
+          <a:noFill/>
+        </p:spPr>
+        <p:txBody>
+          <a:bodyPr wrap="square" rtlCol="0">
+            <a:spAutoFit/>
+          </a:bodyPr>
+          <a:lstStyle/>
+          <a:p>
+            <a:r>
+              <a:rPr lang="en-US" sz="2000" dirty="0" smtClean="0">
+                <a:latin typeface="Arial" panose="020B0604020202020204" pitchFamily="34" charset="0"/>
+                <a:cs typeface="Arial" panose="020B0604020202020204" pitchFamily="34" charset="0"/>
+              </a:rPr>
+              <a:t>Type “ </a:t>
+            </a:r>
+            <a:r>
+              <a:rPr lang="en-US" sz="2000" b="1" dirty="0" smtClean="0">
+                <a:solidFill>
+                  <a:schemeClr val="bg2">
+                    <a:lumMod val="60000"/>
+                    <a:lumOff val="40000"/>
+                  </a:schemeClr>
+                </a:solidFill>
+                <a:latin typeface="Arial" panose="020B0604020202020204" pitchFamily="34" charset="0"/>
+                <a:cs typeface="Arial" panose="020B0604020202020204" pitchFamily="34" charset="0"/>
+              </a:rPr>
+              <a:t>cmd</a:t>
+            </a:r>
+            <a:r>
+              <a:rPr lang="en-US" sz="2000" dirty="0" smtClean="0">
+                <a:latin typeface="Arial" panose="020B0604020202020204" pitchFamily="34" charset="0"/>
+                <a:cs typeface="Arial" panose="020B0604020202020204" pitchFamily="34" charset="0"/>
+              </a:rPr>
+              <a:t> ”on it.</a:t>
+            </a:r>
+            <a:endParaRPr lang="en-US" sz="2000" dirty="0">
+              <a:latin typeface="Arial" panose="020B0604020202020204" pitchFamily="34" charset="0"/>
+              <a:cs typeface="Arial" panose="020B0604020202020204" pitchFamily="34" charset="0"/>
+            </a:endParaRPr>
+          </a:p>
+        </p:txBody>
+      </p:sp>
+    </p:spTree>
+    <p:extLst>
+      <p:ext uri="{BB962C8B-B14F-4D97-AF65-F5344CB8AC3E}">
+        <p14:creationId xmlns:p14="http://schemas.microsoft.com/office/powerpoint/2010/main" val="2518578705"/>
+      </p:ext>
+    </p:extLst>
+  </p:cSld>
+  <p:clrMapOvr>
+    <a:masterClrMapping/>
+  </p:clrMapOvr>
+  <p:timing>
+    <p:tnLst>
+      <p:par>
+        <p:cTn id="1" dur="indefinite" restart="never" nodeType="tmRoot"/>
+      </p:par>
+    </p:tnLst>
+  </p:timing>
+</p:sld>
+</file>
+
+<file path=ppt/slides/slide21.xml><?xml version="1.0" encoding="utf-8"?>
+<p:sld xmlns:a="http://schemas.openxmlformats.org/drawingml/2006/main" xmlns:r="http://schemas.openxmlformats.org/officeDocument/2006/relationships" xmlns:p="http://schemas.openxmlformats.org/presentationml/2006/main">
+  <p:cSld>
+    <p:spTree>
+      <p:nvGrpSpPr>
+        <p:cNvPr id="1" name=""/>
+        <p:cNvGrpSpPr/>
+        <p:nvPr/>
+      </p:nvGrpSpPr>
+      <p:grpSpPr>
+        <a:xfrm>
+          <a:off x="0" y="0"/>
+          <a:ext cx="0" cy="0"/>
+          <a:chOff x="0" y="0"/>
+          <a:chExt cx="0" cy="0"/>
+        </a:xfrm>
+      </p:grpSpPr>
+      <p:sp>
+        <p:nvSpPr>
+          <p:cNvPr id="2" name="Title 1"/>
+          <p:cNvSpPr>
+            <a:spLocks noGrp="1"/>
+          </p:cNvSpPr>
+          <p:nvPr>
+            <p:ph type="title"/>
+          </p:nvPr>
+        </p:nvSpPr>
+        <p:spPr>
+          <a:xfrm>
+            <a:off x="0" y="125459"/>
+            <a:ext cx="9827394" cy="750440"/>
+          </a:xfrm>
+        </p:spPr>
+        <p:txBody>
+          <a:bodyPr/>
+          <a:lstStyle/>
+          <a:p>
+            <a:r>
+              <a:rPr lang="en-US" sz="3200" b="1" dirty="0" smtClean="0">
+                <a:latin typeface="Arial" panose="020B0604020202020204" pitchFamily="34" charset="0"/>
+                <a:cs typeface="Arial" panose="020B0604020202020204" pitchFamily="34" charset="0"/>
+              </a:rPr>
+              <a:t>Sample program in Notepad Method</a:t>
+            </a:r>
+            <a:endParaRPr lang="en-US" sz="3200" b="1" dirty="0">
+              <a:latin typeface="Arial" panose="020B0604020202020204" pitchFamily="34" charset="0"/>
+              <a:cs typeface="Arial" panose="020B0604020202020204" pitchFamily="34" charset="0"/>
+            </a:endParaRPr>
+          </a:p>
+        </p:txBody>
+      </p:sp>
+      <p:sp>
+        <p:nvSpPr>
+          <p:cNvPr id="4" name="TextBox 3"/>
+          <p:cNvSpPr txBox="1"/>
+          <p:nvPr/>
+        </p:nvSpPr>
+        <p:spPr>
+          <a:xfrm>
+            <a:off x="10395284" y="353978"/>
+            <a:ext cx="760396" cy="646331"/>
+          </a:xfrm>
+          <a:prstGeom prst="rect">
+            <a:avLst/>
+          </a:prstGeom>
+          <a:noFill/>
+        </p:spPr>
+        <p:txBody>
+          <a:bodyPr wrap="square" rtlCol="0">
+            <a:spAutoFit/>
+          </a:bodyPr>
+          <a:lstStyle/>
+          <a:p>
+            <a:r>
+              <a:rPr lang="en-US" sz="3600" b="1" dirty="0" smtClean="0">
+                <a:latin typeface="Arial" panose="020B0604020202020204" pitchFamily="34" charset="0"/>
+                <a:cs typeface="Arial" panose="020B0604020202020204" pitchFamily="34" charset="0"/>
+              </a:rPr>
+              <a:t>20</a:t>
+            </a:r>
+            <a:endParaRPr lang="en-US" sz="3600" b="1" dirty="0">
+              <a:latin typeface="Arial" panose="020B0604020202020204" pitchFamily="34" charset="0"/>
+              <a:cs typeface="Arial" panose="020B0604020202020204" pitchFamily="34" charset="0"/>
+            </a:endParaRPr>
+          </a:p>
+        </p:txBody>
+      </p:sp>
+      <p:pic>
+        <p:nvPicPr>
+          <p:cNvPr id="6" name="Picture 5"/>
+          <p:cNvPicPr>
+            <a:picLocks noChangeAspect="1"/>
+          </p:cNvPicPr>
+          <p:nvPr/>
+        </p:nvPicPr>
+        <p:blipFill rotWithShape="1">
+          <a:blip r:embed="rId3"/>
+          <a:srcRect b="6237"/>
+          <a:stretch/>
+        </p:blipFill>
+        <p:spPr>
+          <a:xfrm>
+            <a:off x="477519" y="1453415"/>
+            <a:ext cx="11053545" cy="5014762"/>
+          </a:xfrm>
+          <a:prstGeom prst="rect">
+            <a:avLst/>
+          </a:prstGeom>
+        </p:spPr>
+      </p:pic>
+    </p:spTree>
+    <p:extLst>
+      <p:ext uri="{BB962C8B-B14F-4D97-AF65-F5344CB8AC3E}">
+        <p14:creationId xmlns:p14="http://schemas.microsoft.com/office/powerpoint/2010/main" val="3219223142"/>
+      </p:ext>
+    </p:extLst>
+  </p:cSld>
+  <p:clrMapOvr>
+    <a:masterClrMapping/>
+  </p:clrMapOvr>
+  <p:timing>
+    <p:tnLst>
+      <p:par>
+        <p:cTn id="1" dur="indefinite" restart="never" nodeType="tmRoot"/>
+      </p:par>
+    </p:tnLst>
+  </p:timing>
+</p:sld>
+</file>
+
+<file path=ppt/slides/slide22.xml><?xml version="1.0" encoding="utf-8"?>
+<p:sld xmlns:a="http://schemas.openxmlformats.org/drawingml/2006/main" xmlns:r="http://schemas.openxmlformats.org/officeDocument/2006/relationships" xmlns:p="http://schemas.openxmlformats.org/presentationml/2006/main">
+  <p:cSld>
+    <p:spTree>
+      <p:nvGrpSpPr>
+        <p:cNvPr id="1" name=""/>
+        <p:cNvGrpSpPr/>
+        <p:nvPr/>
+      </p:nvGrpSpPr>
+      <p:grpSpPr>
+        <a:xfrm>
+          <a:off x="0" y="0"/>
+          <a:ext cx="0" cy="0"/>
+          <a:chOff x="0" y="0"/>
+          <a:chExt cx="0" cy="0"/>
+        </a:xfrm>
+      </p:grpSpPr>
+      <p:sp>
+        <p:nvSpPr>
+          <p:cNvPr id="2" name="Title 1"/>
+          <p:cNvSpPr>
+            <a:spLocks noGrp="1"/>
+          </p:cNvSpPr>
+          <p:nvPr>
+            <p:ph type="title"/>
+          </p:nvPr>
+        </p:nvSpPr>
+        <p:spPr>
+          <a:xfrm>
+            <a:off x="0" y="125459"/>
+            <a:ext cx="9827394" cy="750440"/>
+          </a:xfrm>
+        </p:spPr>
+        <p:txBody>
+          <a:bodyPr/>
+          <a:lstStyle/>
+          <a:p>
+            <a:r>
+              <a:rPr lang="en-US" sz="3200" b="1" dirty="0" smtClean="0">
+                <a:latin typeface="Arial" panose="020B0604020202020204" pitchFamily="34" charset="0"/>
+                <a:cs typeface="Arial" panose="020B0604020202020204" pitchFamily="34" charset="0"/>
+              </a:rPr>
+              <a:t>Sample program in Notepad Method</a:t>
+            </a:r>
+            <a:endParaRPr lang="en-US" sz="3200" b="1" dirty="0">
+              <a:latin typeface="Arial" panose="020B0604020202020204" pitchFamily="34" charset="0"/>
+              <a:cs typeface="Arial" panose="020B0604020202020204" pitchFamily="34" charset="0"/>
+            </a:endParaRPr>
+          </a:p>
+        </p:txBody>
+      </p:sp>
+      <p:sp>
+        <p:nvSpPr>
+          <p:cNvPr id="4" name="TextBox 3"/>
+          <p:cNvSpPr txBox="1"/>
+          <p:nvPr/>
+        </p:nvSpPr>
+        <p:spPr>
+          <a:xfrm>
+            <a:off x="10395284" y="353978"/>
+            <a:ext cx="760396" cy="646331"/>
+          </a:xfrm>
+          <a:prstGeom prst="rect">
+            <a:avLst/>
+          </a:prstGeom>
+          <a:noFill/>
+        </p:spPr>
+        <p:txBody>
+          <a:bodyPr wrap="square" rtlCol="0">
+            <a:spAutoFit/>
+          </a:bodyPr>
+          <a:lstStyle/>
+          <a:p>
+            <a:r>
+              <a:rPr lang="en-US" sz="3600" b="1" dirty="0" smtClean="0">
+                <a:latin typeface="Arial" panose="020B0604020202020204" pitchFamily="34" charset="0"/>
+                <a:cs typeface="Arial" panose="020B0604020202020204" pitchFamily="34" charset="0"/>
+              </a:rPr>
+              <a:t>21</a:t>
+            </a:r>
+            <a:endParaRPr lang="en-US" sz="3600" b="1" dirty="0">
+              <a:latin typeface="Arial" panose="020B0604020202020204" pitchFamily="34" charset="0"/>
+              <a:cs typeface="Arial" panose="020B0604020202020204" pitchFamily="34" charset="0"/>
+            </a:endParaRPr>
+          </a:p>
+        </p:txBody>
+      </p:sp>
+      <p:pic>
+        <p:nvPicPr>
+          <p:cNvPr id="3" name="Picture 2"/>
+          <p:cNvPicPr>
+            <a:picLocks noChangeAspect="1"/>
+          </p:cNvPicPr>
+          <p:nvPr/>
+        </p:nvPicPr>
+        <p:blipFill rotWithShape="1">
+          <a:blip r:embed="rId3"/>
+          <a:srcRect l="15949" t="23674" r="12834" b="39186"/>
+          <a:stretch/>
+        </p:blipFill>
+        <p:spPr>
+          <a:xfrm>
+            <a:off x="664635" y="2088323"/>
+            <a:ext cx="9730649" cy="3677569"/>
+          </a:xfrm>
+          <a:prstGeom prst="rect">
+            <a:avLst/>
+          </a:prstGeom>
+        </p:spPr>
+      </p:pic>
+      <p:sp>
+        <p:nvSpPr>
+          <p:cNvPr id="5" name="Oval 4"/>
+          <p:cNvSpPr/>
+          <p:nvPr/>
+        </p:nvSpPr>
+        <p:spPr>
+          <a:xfrm>
+            <a:off x="5919537" y="3022333"/>
+            <a:ext cx="1414914" cy="654518"/>
+          </a:xfrm>
+          <a:prstGeom prst="ellipse">
+            <a:avLst/>
+          </a:prstGeom>
+          <a:noFill/>
+          <a:ln>
+            <a:solidFill>
+              <a:schemeClr val="tx1"/>
+            </a:solidFill>
+          </a:ln>
+        </p:spPr>
+        <p:style>
+          <a:lnRef idx="2">
+            <a:schemeClr val="accent1">
+              <a:shade val="50000"/>
+            </a:schemeClr>
+          </a:lnRef>
+          <a:fillRef idx="1">
+            <a:schemeClr val="accent1"/>
+          </a:fillRef>
+          <a:effectRef idx="0">
+            <a:schemeClr val="accent1"/>
+          </a:effectRef>
+          <a:fontRef idx="minor">
+            <a:schemeClr val="lt1"/>
+          </a:fontRef>
+        </p:style>
+        <p:txBody>
+          <a:bodyPr rtlCol="0" anchor="ctr"/>
+          <a:lstStyle/>
+          <a:p>
+            <a:pPr algn="ctr"/>
+            <a:endParaRPr lang="en-US"/>
+          </a:p>
+        </p:txBody>
+      </p:sp>
+      <p:sp>
+        <p:nvSpPr>
+          <p:cNvPr id="7" name="TextBox 6"/>
+          <p:cNvSpPr txBox="1"/>
+          <p:nvPr/>
+        </p:nvSpPr>
+        <p:spPr>
+          <a:xfrm>
+            <a:off x="577515" y="1045754"/>
+            <a:ext cx="10197967" cy="1015663"/>
+          </a:xfrm>
+          <a:prstGeom prst="rect">
+            <a:avLst/>
+          </a:prstGeom>
+          <a:noFill/>
+        </p:spPr>
+        <p:txBody>
+          <a:bodyPr wrap="square" rtlCol="0">
+            <a:spAutoFit/>
+          </a:bodyPr>
+          <a:lstStyle/>
+          <a:p>
+            <a:r>
+              <a:rPr lang="en-US" sz="2000" dirty="0" smtClean="0">
+                <a:latin typeface="Arial" panose="020B0604020202020204" pitchFamily="34" charset="0"/>
+                <a:cs typeface="Arial" panose="020B0604020202020204" pitchFamily="34" charset="0"/>
+              </a:rPr>
+              <a:t>Type “ </a:t>
+            </a:r>
+            <a:r>
+              <a:rPr lang="en-US" sz="2000" b="1" dirty="0" smtClean="0">
+                <a:solidFill>
+                  <a:schemeClr val="bg2">
+                    <a:lumMod val="60000"/>
+                    <a:lumOff val="40000"/>
+                  </a:schemeClr>
+                </a:solidFill>
+                <a:latin typeface="Arial" panose="020B0604020202020204" pitchFamily="34" charset="0"/>
+                <a:cs typeface="Arial" panose="020B0604020202020204" pitchFamily="34" charset="0"/>
+              </a:rPr>
+              <a:t>javac test.java </a:t>
+            </a:r>
+            <a:r>
+              <a:rPr lang="en-US" sz="2000" dirty="0" smtClean="0">
+                <a:latin typeface="Arial" panose="020B0604020202020204" pitchFamily="34" charset="0"/>
+                <a:cs typeface="Arial" panose="020B0604020202020204" pitchFamily="34" charset="0"/>
+              </a:rPr>
+              <a:t>” .</a:t>
+            </a:r>
+            <a:r>
+              <a:rPr lang="en-US" sz="2000" dirty="0">
+                <a:latin typeface="Arial" panose="020B0604020202020204" pitchFamily="34" charset="0"/>
+                <a:cs typeface="Arial" panose="020B0604020202020204" pitchFamily="34" charset="0"/>
+              </a:rPr>
+              <a:t> </a:t>
+            </a:r>
+            <a:r>
+              <a:rPr lang="en-US" sz="2000" dirty="0" smtClean="0">
+                <a:latin typeface="Arial" panose="020B0604020202020204" pitchFamily="34" charset="0"/>
+                <a:cs typeface="Arial" panose="020B0604020202020204" pitchFamily="34" charset="0"/>
+              </a:rPr>
+              <a:t> Java </a:t>
+            </a:r>
+            <a:r>
+              <a:rPr lang="en-US" sz="2000" dirty="0">
+                <a:latin typeface="Arial" panose="020B0604020202020204" pitchFamily="34" charset="0"/>
+                <a:cs typeface="Arial" panose="020B0604020202020204" pitchFamily="34" charset="0"/>
+              </a:rPr>
+              <a:t>programs are compiled using the </a:t>
+            </a:r>
+            <a:r>
+              <a:rPr lang="en-US" sz="2000" b="1" dirty="0">
+                <a:latin typeface="Arial" panose="020B0604020202020204" pitchFamily="34" charset="0"/>
+                <a:cs typeface="Arial" panose="020B0604020202020204" pitchFamily="34" charset="0"/>
+              </a:rPr>
+              <a:t>javac</a:t>
+            </a:r>
+            <a:r>
+              <a:rPr lang="en-US" sz="2000" dirty="0">
+                <a:latin typeface="Arial" panose="020B0604020202020204" pitchFamily="34" charset="0"/>
+                <a:cs typeface="Arial" panose="020B0604020202020204" pitchFamily="34" charset="0"/>
+              </a:rPr>
+              <a:t> command. It takes .java files as input and generates bytecode</a:t>
+            </a:r>
+            <a:r>
+              <a:rPr lang="en-US" sz="2000" dirty="0" smtClean="0">
+                <a:latin typeface="Arial" panose="020B0604020202020204" pitchFamily="34" charset="0"/>
+                <a:cs typeface="Arial" panose="020B0604020202020204" pitchFamily="34" charset="0"/>
+              </a:rPr>
+              <a:t>.</a:t>
+            </a:r>
+          </a:p>
+          <a:p>
+            <a:r>
+              <a:rPr lang="en-US" sz="2000" dirty="0" smtClean="0">
+                <a:latin typeface="Arial" panose="020B0604020202020204" pitchFamily="34" charset="0"/>
+                <a:cs typeface="Arial" panose="020B0604020202020204" pitchFamily="34" charset="0"/>
+              </a:rPr>
+              <a:t> </a:t>
+            </a:r>
+            <a:endParaRPr lang="en-US" sz="2000" dirty="0">
+              <a:latin typeface="Arial" panose="020B0604020202020204" pitchFamily="34" charset="0"/>
+              <a:cs typeface="Arial" panose="020B0604020202020204" pitchFamily="34" charset="0"/>
+            </a:endParaRPr>
+          </a:p>
+        </p:txBody>
+      </p:sp>
+    </p:spTree>
+    <p:extLst>
+      <p:ext uri="{BB962C8B-B14F-4D97-AF65-F5344CB8AC3E}">
+        <p14:creationId xmlns:p14="http://schemas.microsoft.com/office/powerpoint/2010/main" val="3010912220"/>
+      </p:ext>
+    </p:extLst>
+  </p:cSld>
+  <p:clrMapOvr>
+    <a:masterClrMapping/>
+  </p:clrMapOvr>
+  <p:timing>
+    <p:tnLst>
+      <p:par>
+        <p:cTn id="1" dur="indefinite" restart="never" nodeType="tmRoot"/>
+      </p:par>
+    </p:tnLst>
+  </p:timing>
+</p:sld>
+</file>
+
+<file path=ppt/slides/slide23.xml><?xml version="1.0" encoding="utf-8"?>
+<p:sld xmlns:a="http://schemas.openxmlformats.org/drawingml/2006/main" xmlns:r="http://schemas.openxmlformats.org/officeDocument/2006/relationships" xmlns:p="http://schemas.openxmlformats.org/presentationml/2006/main">
+  <p:cSld>
+    <p:spTree>
+      <p:nvGrpSpPr>
+        <p:cNvPr id="1" name=""/>
+        <p:cNvGrpSpPr/>
+        <p:nvPr/>
+      </p:nvGrpSpPr>
+      <p:grpSpPr>
+        <a:xfrm>
+          <a:off x="0" y="0"/>
+          <a:ext cx="0" cy="0"/>
+          <a:chOff x="0" y="0"/>
+          <a:chExt cx="0" cy="0"/>
+        </a:xfrm>
+      </p:grpSpPr>
+      <p:sp>
+        <p:nvSpPr>
+          <p:cNvPr id="2" name="Title 1"/>
+          <p:cNvSpPr>
+            <a:spLocks noGrp="1"/>
+          </p:cNvSpPr>
+          <p:nvPr>
+            <p:ph type="title"/>
+          </p:nvPr>
+        </p:nvSpPr>
+        <p:spPr>
+          <a:xfrm>
+            <a:off x="0" y="125459"/>
+            <a:ext cx="9827394" cy="750440"/>
+          </a:xfrm>
+        </p:spPr>
+        <p:txBody>
+          <a:bodyPr/>
+          <a:lstStyle/>
+          <a:p>
+            <a:r>
+              <a:rPr lang="en-US" sz="3200" b="1" dirty="0" smtClean="0">
+                <a:latin typeface="Arial" panose="020B0604020202020204" pitchFamily="34" charset="0"/>
+                <a:cs typeface="Arial" panose="020B0604020202020204" pitchFamily="34" charset="0"/>
+              </a:rPr>
+              <a:t>Sample program in Notepad Method</a:t>
+            </a:r>
+            <a:endParaRPr lang="en-US" sz="3200" b="1" dirty="0">
+              <a:latin typeface="Arial" panose="020B0604020202020204" pitchFamily="34" charset="0"/>
+              <a:cs typeface="Arial" panose="020B0604020202020204" pitchFamily="34" charset="0"/>
+            </a:endParaRPr>
+          </a:p>
+        </p:txBody>
+      </p:sp>
+      <p:sp>
+        <p:nvSpPr>
+          <p:cNvPr id="4" name="TextBox 3"/>
+          <p:cNvSpPr txBox="1"/>
+          <p:nvPr/>
+        </p:nvSpPr>
+        <p:spPr>
+          <a:xfrm>
+            <a:off x="10395284" y="353978"/>
+            <a:ext cx="760396" cy="646331"/>
+          </a:xfrm>
+          <a:prstGeom prst="rect">
+            <a:avLst/>
+          </a:prstGeom>
+          <a:noFill/>
+        </p:spPr>
+        <p:txBody>
+          <a:bodyPr wrap="square" rtlCol="0">
+            <a:spAutoFit/>
+          </a:bodyPr>
+          <a:lstStyle/>
+          <a:p>
+            <a:r>
+              <a:rPr lang="en-US" sz="3600" b="1" dirty="0" smtClean="0">
+                <a:latin typeface="Arial" panose="020B0604020202020204" pitchFamily="34" charset="0"/>
+                <a:cs typeface="Arial" panose="020B0604020202020204" pitchFamily="34" charset="0"/>
+              </a:rPr>
+              <a:t>22</a:t>
+            </a:r>
+            <a:endParaRPr lang="en-US" sz="3600" b="1" dirty="0">
+              <a:latin typeface="Arial" panose="020B0604020202020204" pitchFamily="34" charset="0"/>
+              <a:cs typeface="Arial" panose="020B0604020202020204" pitchFamily="34" charset="0"/>
+            </a:endParaRPr>
+          </a:p>
+        </p:txBody>
+      </p:sp>
+      <p:sp>
+        <p:nvSpPr>
+          <p:cNvPr id="7" name="TextBox 6"/>
+          <p:cNvSpPr txBox="1"/>
+          <p:nvPr/>
+        </p:nvSpPr>
+        <p:spPr>
+          <a:xfrm>
+            <a:off x="279132" y="1009216"/>
+            <a:ext cx="10197967" cy="1015663"/>
+          </a:xfrm>
+          <a:prstGeom prst="rect">
+            <a:avLst/>
+          </a:prstGeom>
+          <a:noFill/>
+        </p:spPr>
+        <p:txBody>
+          <a:bodyPr wrap="square" rtlCol="0">
+            <a:spAutoFit/>
+          </a:bodyPr>
+          <a:lstStyle/>
+          <a:p>
+            <a:r>
+              <a:rPr lang="en-US" sz="2000" dirty="0" smtClean="0">
+                <a:latin typeface="Arial" panose="020B0604020202020204" pitchFamily="34" charset="0"/>
+                <a:cs typeface="Arial" panose="020B0604020202020204" pitchFamily="34" charset="0"/>
+              </a:rPr>
+              <a:t>Then we can </a:t>
+            </a:r>
+            <a:r>
+              <a:rPr lang="en-US" sz="2000" dirty="0">
+                <a:latin typeface="Arial" panose="020B0604020202020204" pitchFamily="34" charset="0"/>
+                <a:cs typeface="Arial" panose="020B0604020202020204" pitchFamily="34" charset="0"/>
+              </a:rPr>
+              <a:t>see that a new file has been created with the </a:t>
+            </a:r>
+            <a:r>
+              <a:rPr lang="en-US" sz="2000" b="1" dirty="0">
+                <a:solidFill>
+                  <a:schemeClr val="bg2">
+                    <a:lumMod val="60000"/>
+                    <a:lumOff val="40000"/>
+                  </a:schemeClr>
+                </a:solidFill>
+                <a:latin typeface="Arial" panose="020B0604020202020204" pitchFamily="34" charset="0"/>
+                <a:cs typeface="Arial" panose="020B0604020202020204" pitchFamily="34" charset="0"/>
+              </a:rPr>
+              <a:t>.class extension</a:t>
+            </a:r>
+            <a:r>
+              <a:rPr lang="en-US" sz="2000" dirty="0">
+                <a:latin typeface="Arial" panose="020B0604020202020204" pitchFamily="34" charset="0"/>
+                <a:cs typeface="Arial" panose="020B0604020202020204" pitchFamily="34" charset="0"/>
+              </a:rPr>
+              <a:t>. The name of the file would be the name of the class </a:t>
+            </a:r>
+            <a:r>
+              <a:rPr lang="en-US" sz="2000" dirty="0" smtClean="0">
+                <a:latin typeface="Arial" panose="020B0604020202020204" pitchFamily="34" charset="0"/>
+                <a:cs typeface="Arial" panose="020B0604020202020204" pitchFamily="34" charset="0"/>
+              </a:rPr>
+              <a:t>that we </a:t>
+            </a:r>
+            <a:r>
+              <a:rPr lang="en-US" sz="2000" dirty="0">
+                <a:latin typeface="Arial" panose="020B0604020202020204" pitchFamily="34" charset="0"/>
+                <a:cs typeface="Arial" panose="020B0604020202020204" pitchFamily="34" charset="0"/>
+              </a:rPr>
+              <a:t>have used inside </a:t>
+            </a:r>
+            <a:r>
+              <a:rPr lang="en-US" sz="2000" dirty="0" smtClean="0">
+                <a:latin typeface="Arial" panose="020B0604020202020204" pitchFamily="34" charset="0"/>
+                <a:cs typeface="Arial" panose="020B0604020202020204" pitchFamily="34" charset="0"/>
+              </a:rPr>
+              <a:t>our </a:t>
+            </a:r>
+            <a:r>
+              <a:rPr lang="en-US" sz="2000" dirty="0">
+                <a:latin typeface="Arial" panose="020B0604020202020204" pitchFamily="34" charset="0"/>
+                <a:cs typeface="Arial" panose="020B0604020202020204" pitchFamily="34" charset="0"/>
+              </a:rPr>
+              <a:t>program. In </a:t>
+            </a:r>
+            <a:r>
+              <a:rPr lang="en-US" sz="2000" dirty="0" smtClean="0">
+                <a:latin typeface="Arial" panose="020B0604020202020204" pitchFamily="34" charset="0"/>
+                <a:cs typeface="Arial" panose="020B0604020202020204" pitchFamily="34" charset="0"/>
+              </a:rPr>
+              <a:t>this program, </a:t>
+            </a:r>
+            <a:r>
+              <a:rPr lang="en-US" sz="2000" dirty="0">
+                <a:latin typeface="Arial" panose="020B0604020202020204" pitchFamily="34" charset="0"/>
+                <a:cs typeface="Arial" panose="020B0604020202020204" pitchFamily="34" charset="0"/>
+              </a:rPr>
+              <a:t>I have used the </a:t>
+            </a:r>
+            <a:r>
+              <a:rPr lang="en-US" sz="2000" b="1" dirty="0" smtClean="0">
+                <a:solidFill>
+                  <a:schemeClr val="bg2">
+                    <a:lumMod val="60000"/>
+                    <a:lumOff val="40000"/>
+                  </a:schemeClr>
+                </a:solidFill>
+                <a:latin typeface="Arial" panose="020B0604020202020204" pitchFamily="34" charset="0"/>
+                <a:cs typeface="Arial" panose="020B0604020202020204" pitchFamily="34" charset="0"/>
+              </a:rPr>
+              <a:t>Megha</a:t>
+            </a:r>
+            <a:r>
+              <a:rPr lang="en-US" sz="2000" dirty="0" smtClean="0">
+                <a:latin typeface="Arial" panose="020B0604020202020204" pitchFamily="34" charset="0"/>
+                <a:cs typeface="Arial" panose="020B0604020202020204" pitchFamily="34" charset="0"/>
+              </a:rPr>
+              <a:t> </a:t>
+            </a:r>
+            <a:r>
+              <a:rPr lang="en-US" sz="2000" dirty="0">
+                <a:latin typeface="Arial" panose="020B0604020202020204" pitchFamily="34" charset="0"/>
+                <a:cs typeface="Arial" panose="020B0604020202020204" pitchFamily="34" charset="0"/>
+              </a:rPr>
+              <a:t>as a class name.</a:t>
+            </a:r>
+            <a:endParaRPr lang="en-US" sz="2000" dirty="0">
+              <a:latin typeface="Arial" panose="020B0604020202020204" pitchFamily="34" charset="0"/>
+              <a:cs typeface="Arial" panose="020B0604020202020204" pitchFamily="34" charset="0"/>
+            </a:endParaRPr>
+          </a:p>
+        </p:txBody>
+      </p:sp>
+      <p:pic>
+        <p:nvPicPr>
+          <p:cNvPr id="6" name="Picture 5"/>
+          <p:cNvPicPr>
+            <a:picLocks noChangeAspect="1"/>
+          </p:cNvPicPr>
+          <p:nvPr/>
+        </p:nvPicPr>
+        <p:blipFill rotWithShape="1">
+          <a:blip r:embed="rId3"/>
+          <a:srcRect b="57444"/>
+          <a:stretch/>
+        </p:blipFill>
+        <p:spPr>
+          <a:xfrm>
+            <a:off x="279132" y="2158196"/>
+            <a:ext cx="9981398" cy="3545774"/>
+          </a:xfrm>
+          <a:prstGeom prst="rect">
+            <a:avLst/>
+          </a:prstGeom>
+        </p:spPr>
+      </p:pic>
+      <p:sp>
+        <p:nvSpPr>
+          <p:cNvPr id="8" name="Oval 7"/>
+          <p:cNvSpPr/>
+          <p:nvPr/>
+        </p:nvSpPr>
+        <p:spPr>
+          <a:xfrm>
+            <a:off x="1896177" y="4427621"/>
+            <a:ext cx="933650" cy="500514"/>
+          </a:xfrm>
+          <a:prstGeom prst="ellipse">
+            <a:avLst/>
+          </a:prstGeom>
+          <a:noFill/>
+          <a:ln>
+            <a:solidFill>
+              <a:srgbClr val="00B050"/>
+            </a:solidFill>
+          </a:ln>
+        </p:spPr>
+        <p:style>
+          <a:lnRef idx="2">
+            <a:schemeClr val="accent1">
+              <a:shade val="50000"/>
+            </a:schemeClr>
+          </a:lnRef>
+          <a:fillRef idx="1">
+            <a:schemeClr val="accent1"/>
+          </a:fillRef>
+          <a:effectRef idx="0">
+            <a:schemeClr val="accent1"/>
+          </a:effectRef>
+          <a:fontRef idx="minor">
+            <a:schemeClr val="lt1"/>
+          </a:fontRef>
+        </p:style>
+        <p:txBody>
+          <a:bodyPr rtlCol="0" anchor="ctr"/>
+          <a:lstStyle/>
+          <a:p>
+            <a:pPr algn="ctr"/>
+            <a:endParaRPr lang="en-US"/>
+          </a:p>
+        </p:txBody>
+      </p:sp>
+      <p:sp>
+        <p:nvSpPr>
+          <p:cNvPr id="9" name="TextBox 8"/>
+          <p:cNvSpPr txBox="1"/>
+          <p:nvPr/>
+        </p:nvSpPr>
+        <p:spPr>
+          <a:xfrm>
+            <a:off x="368166" y="6006164"/>
+            <a:ext cx="9091061" cy="400110"/>
+          </a:xfrm>
+          <a:prstGeom prst="rect">
+            <a:avLst/>
+          </a:prstGeom>
+          <a:noFill/>
+        </p:spPr>
+        <p:txBody>
+          <a:bodyPr wrap="square" rtlCol="0">
+            <a:spAutoFit/>
+          </a:bodyPr>
+          <a:lstStyle/>
+          <a:p>
+            <a:r>
+              <a:rPr lang="en-US" sz="2000" dirty="0" smtClean="0">
+                <a:latin typeface="Arial" panose="020B0604020202020204" pitchFamily="34" charset="0"/>
+                <a:cs typeface="Arial" panose="020B0604020202020204" pitchFamily="34" charset="0"/>
+              </a:rPr>
+              <a:t>Now Again we have to click Alt +d and type cmd on it.</a:t>
+            </a:r>
+            <a:endParaRPr lang="en-US" sz="2000" dirty="0">
+              <a:latin typeface="Arial" panose="020B0604020202020204" pitchFamily="34" charset="0"/>
+              <a:cs typeface="Arial" panose="020B0604020202020204" pitchFamily="34" charset="0"/>
+            </a:endParaRPr>
+          </a:p>
+        </p:txBody>
+      </p:sp>
+    </p:spTree>
+    <p:extLst>
+      <p:ext uri="{BB962C8B-B14F-4D97-AF65-F5344CB8AC3E}">
+        <p14:creationId xmlns:p14="http://schemas.microsoft.com/office/powerpoint/2010/main" val="4116685444"/>
+      </p:ext>
+    </p:extLst>
+  </p:cSld>
+  <p:clrMapOvr>
+    <a:masterClrMapping/>
+  </p:clrMapOvr>
+  <p:timing>
+    <p:tnLst>
+      <p:par>
+        <p:cTn id="1" dur="indefinite" restart="never" nodeType="tmRoot"/>
+      </p:par>
+    </p:tnLst>
+  </p:timing>
+</p:sld>
+</file>
+
+<file path=ppt/slides/slide24.xml><?xml version="1.0" encoding="utf-8"?>
+<p:sld xmlns:a="http://schemas.openxmlformats.org/drawingml/2006/main" xmlns:r="http://schemas.openxmlformats.org/officeDocument/2006/relationships" xmlns:p="http://schemas.openxmlformats.org/presentationml/2006/main">
+  <p:cSld>
+    <p:spTree>
+      <p:nvGrpSpPr>
+        <p:cNvPr id="1" name=""/>
+        <p:cNvGrpSpPr/>
+        <p:nvPr/>
+      </p:nvGrpSpPr>
+      <p:grpSpPr>
+        <a:xfrm>
+          <a:off x="0" y="0"/>
+          <a:ext cx="0" cy="0"/>
+          <a:chOff x="0" y="0"/>
+          <a:chExt cx="0" cy="0"/>
+        </a:xfrm>
+      </p:grpSpPr>
+      <p:sp>
+        <p:nvSpPr>
+          <p:cNvPr id="2" name="Title 1"/>
+          <p:cNvSpPr>
+            <a:spLocks noGrp="1"/>
+          </p:cNvSpPr>
+          <p:nvPr>
+            <p:ph type="title"/>
+          </p:nvPr>
+        </p:nvSpPr>
+        <p:spPr>
+          <a:xfrm>
+            <a:off x="0" y="125459"/>
+            <a:ext cx="9827394" cy="750440"/>
+          </a:xfrm>
+        </p:spPr>
+        <p:txBody>
+          <a:bodyPr/>
+          <a:lstStyle/>
+          <a:p>
+            <a:r>
+              <a:rPr lang="en-US" sz="3200" b="1" dirty="0" smtClean="0">
+                <a:latin typeface="Arial" panose="020B0604020202020204" pitchFamily="34" charset="0"/>
+                <a:cs typeface="Arial" panose="020B0604020202020204" pitchFamily="34" charset="0"/>
+              </a:rPr>
+              <a:t>Sample program in Notepad Method</a:t>
+            </a:r>
+            <a:endParaRPr lang="en-US" sz="3200" b="1" dirty="0">
+              <a:latin typeface="Arial" panose="020B0604020202020204" pitchFamily="34" charset="0"/>
+              <a:cs typeface="Arial" panose="020B0604020202020204" pitchFamily="34" charset="0"/>
+            </a:endParaRPr>
+          </a:p>
+        </p:txBody>
+      </p:sp>
+      <p:sp>
+        <p:nvSpPr>
+          <p:cNvPr id="4" name="TextBox 3"/>
+          <p:cNvSpPr txBox="1"/>
+          <p:nvPr/>
+        </p:nvSpPr>
+        <p:spPr>
+          <a:xfrm>
+            <a:off x="10414535" y="362885"/>
+            <a:ext cx="760396" cy="646331"/>
+          </a:xfrm>
+          <a:prstGeom prst="rect">
+            <a:avLst/>
+          </a:prstGeom>
+          <a:noFill/>
+        </p:spPr>
+        <p:txBody>
+          <a:bodyPr wrap="square" rtlCol="0">
+            <a:spAutoFit/>
+          </a:bodyPr>
+          <a:lstStyle/>
+          <a:p>
+            <a:r>
+              <a:rPr lang="en-US" sz="3600" b="1" dirty="0" smtClean="0">
+                <a:latin typeface="Arial" panose="020B0604020202020204" pitchFamily="34" charset="0"/>
+                <a:cs typeface="Arial" panose="020B0604020202020204" pitchFamily="34" charset="0"/>
+              </a:rPr>
+              <a:t>23</a:t>
+            </a:r>
+            <a:endParaRPr lang="en-US" sz="3600" b="1" dirty="0">
+              <a:latin typeface="Arial" panose="020B0604020202020204" pitchFamily="34" charset="0"/>
+              <a:cs typeface="Arial" panose="020B0604020202020204" pitchFamily="34" charset="0"/>
+            </a:endParaRPr>
+          </a:p>
+        </p:txBody>
+      </p:sp>
+      <p:sp>
+        <p:nvSpPr>
+          <p:cNvPr id="7" name="TextBox 6"/>
+          <p:cNvSpPr txBox="1"/>
+          <p:nvPr/>
+        </p:nvSpPr>
+        <p:spPr>
+          <a:xfrm>
+            <a:off x="279132" y="1009216"/>
+            <a:ext cx="10197967" cy="400110"/>
+          </a:xfrm>
+          <a:prstGeom prst="rect">
+            <a:avLst/>
+          </a:prstGeom>
+          <a:noFill/>
+        </p:spPr>
+        <p:txBody>
+          <a:bodyPr wrap="square" rtlCol="0">
+            <a:spAutoFit/>
+          </a:bodyPr>
+          <a:lstStyle/>
+          <a:p>
+            <a:r>
+              <a:rPr lang="en-US" sz="2000" dirty="0" smtClean="0">
+                <a:latin typeface="Arial" panose="020B0604020202020204" pitchFamily="34" charset="0"/>
+                <a:cs typeface="Arial" panose="020B0604020202020204" pitchFamily="34" charset="0"/>
+              </a:rPr>
+              <a:t>This command prompt we have to type “ </a:t>
+            </a:r>
+            <a:r>
+              <a:rPr lang="en-US" sz="2000" b="1" dirty="0" smtClean="0">
+                <a:solidFill>
+                  <a:schemeClr val="bg2">
+                    <a:lumMod val="60000"/>
+                    <a:lumOff val="40000"/>
+                  </a:schemeClr>
+                </a:solidFill>
+                <a:latin typeface="Arial" panose="020B0604020202020204" pitchFamily="34" charset="0"/>
+                <a:cs typeface="Arial" panose="020B0604020202020204" pitchFamily="34" charset="0"/>
+              </a:rPr>
+              <a:t>java Megha </a:t>
+            </a:r>
+            <a:r>
+              <a:rPr lang="en-US" sz="2000" dirty="0" smtClean="0">
+                <a:latin typeface="Arial" panose="020B0604020202020204" pitchFamily="34" charset="0"/>
+                <a:cs typeface="Arial" panose="020B0604020202020204" pitchFamily="34" charset="0"/>
+              </a:rPr>
+              <a:t>“ (Megha is a class name) </a:t>
+            </a:r>
+            <a:endParaRPr lang="en-US" sz="2000" dirty="0">
+              <a:latin typeface="Arial" panose="020B0604020202020204" pitchFamily="34" charset="0"/>
+              <a:cs typeface="Arial" panose="020B0604020202020204" pitchFamily="34" charset="0"/>
+            </a:endParaRPr>
+          </a:p>
+        </p:txBody>
+      </p:sp>
+      <p:pic>
+        <p:nvPicPr>
+          <p:cNvPr id="3" name="Picture 2"/>
+          <p:cNvPicPr>
+            <a:picLocks noChangeAspect="1"/>
+          </p:cNvPicPr>
+          <p:nvPr/>
+        </p:nvPicPr>
+        <p:blipFill rotWithShape="1">
+          <a:blip r:embed="rId3"/>
+          <a:srcRect l="21505" t="19469" r="8406" b="55048"/>
+          <a:stretch/>
+        </p:blipFill>
+        <p:spPr>
+          <a:xfrm>
+            <a:off x="808523" y="2336062"/>
+            <a:ext cx="8503574" cy="3179212"/>
+          </a:xfrm>
+          <a:prstGeom prst="rect">
+            <a:avLst/>
+          </a:prstGeom>
+        </p:spPr>
+      </p:pic>
+      <p:cxnSp>
+        <p:nvCxnSpPr>
+          <p:cNvPr id="10" name="Elbow Connector 9"/>
+          <p:cNvCxnSpPr/>
+          <p:nvPr/>
+        </p:nvCxnSpPr>
+        <p:spPr>
+          <a:xfrm>
+            <a:off x="2069432" y="4143675"/>
+            <a:ext cx="1568918" cy="67377"/>
+          </a:xfrm>
+          <a:prstGeom prst="bentConnector3">
+            <a:avLst/>
+          </a:prstGeom>
+          <a:ln>
+            <a:solidFill>
+              <a:schemeClr val="tx1"/>
+            </a:solidFill>
+            <a:tailEnd type="triangle"/>
+          </a:ln>
+        </p:spPr>
+        <p:style>
+          <a:lnRef idx="1">
+            <a:schemeClr val="accent1"/>
+          </a:lnRef>
+          <a:fillRef idx="0">
+            <a:schemeClr val="accent1"/>
+          </a:fillRef>
+          <a:effectRef idx="0">
+            <a:schemeClr val="accent1"/>
+          </a:effectRef>
+          <a:fontRef idx="minor">
+            <a:schemeClr val="tx1"/>
+          </a:fontRef>
+        </p:style>
+      </p:cxnSp>
+      <p:sp>
+        <p:nvSpPr>
+          <p:cNvPr id="11" name="TextBox 10"/>
+          <p:cNvSpPr txBox="1"/>
+          <p:nvPr/>
+        </p:nvSpPr>
+        <p:spPr>
+          <a:xfrm>
+            <a:off x="3638350" y="4041775"/>
+            <a:ext cx="1366788" cy="338554"/>
+          </a:xfrm>
+          <a:prstGeom prst="rect">
+            <a:avLst/>
+          </a:prstGeom>
+          <a:noFill/>
+        </p:spPr>
+        <p:txBody>
+          <a:bodyPr wrap="square" rtlCol="0">
+            <a:spAutoFit/>
+          </a:bodyPr>
+          <a:lstStyle/>
+          <a:p>
+            <a:r>
+              <a:rPr lang="en-US" sz="1600" dirty="0" smtClean="0">
+                <a:latin typeface="Arial" panose="020B0604020202020204" pitchFamily="34" charset="0"/>
+                <a:cs typeface="Arial" panose="020B0604020202020204" pitchFamily="34" charset="0"/>
+              </a:rPr>
+              <a:t>Output </a:t>
+            </a:r>
+            <a:endParaRPr lang="en-US" sz="1600" dirty="0">
+              <a:latin typeface="Arial" panose="020B0604020202020204" pitchFamily="34" charset="0"/>
+              <a:cs typeface="Arial" panose="020B0604020202020204" pitchFamily="34" charset="0"/>
+            </a:endParaRPr>
+          </a:p>
+        </p:txBody>
+      </p:sp>
+    </p:spTree>
+    <p:extLst>
+      <p:ext uri="{BB962C8B-B14F-4D97-AF65-F5344CB8AC3E}">
+        <p14:creationId xmlns:p14="http://schemas.microsoft.com/office/powerpoint/2010/main" val="2645188594"/>
+      </p:ext>
+    </p:extLst>
+  </p:cSld>
+  <p:clrMapOvr>
+    <a:masterClrMapping/>
+  </p:clrMapOvr>
+  <p:timing>
+    <p:tnLst>
+      <p:par>
+        <p:cTn id="1" dur="indefinite" restart="never" nodeType="tmRoot"/>
+      </p:par>
+    </p:tnLst>
+  </p:timing>
+</p:sld>
+</file>
+
+<file path=ppt/slides/slide25.xml><?xml version="1.0" encoding="utf-8"?>
+<p:sld xmlns:a="http://schemas.openxmlformats.org/drawingml/2006/main" xmlns:r="http://schemas.openxmlformats.org/officeDocument/2006/relationships" xmlns:p="http://schemas.openxmlformats.org/presentationml/2006/main">
+  <p:cSld>
+    <p:spTree>
+      <p:nvGrpSpPr>
+        <p:cNvPr id="1" name=""/>
+        <p:cNvGrpSpPr/>
+        <p:nvPr/>
+      </p:nvGrpSpPr>
+      <p:grpSpPr>
+        <a:xfrm>
+          <a:off x="0" y="0"/>
+          <a:ext cx="0" cy="0"/>
+          <a:chOff x="0" y="0"/>
+          <a:chExt cx="0" cy="0"/>
+        </a:xfrm>
+      </p:grpSpPr>
+      <p:sp>
+        <p:nvSpPr>
+          <p:cNvPr id="2" name="Title 1"/>
+          <p:cNvSpPr>
+            <a:spLocks noGrp="1"/>
+          </p:cNvSpPr>
+          <p:nvPr>
+            <p:ph type="title"/>
+          </p:nvPr>
+        </p:nvSpPr>
+        <p:spPr>
+          <a:xfrm>
+            <a:off x="0" y="125459"/>
+            <a:ext cx="9827394" cy="750440"/>
+          </a:xfrm>
+        </p:spPr>
+        <p:txBody>
+          <a:bodyPr/>
+          <a:lstStyle/>
+          <a:p>
+            <a:r>
+              <a:rPr lang="en-US" sz="3200" b="1" dirty="0" smtClean="0">
+                <a:latin typeface="Arial" panose="020B0604020202020204" pitchFamily="34" charset="0"/>
+                <a:cs typeface="Arial" panose="020B0604020202020204" pitchFamily="34" charset="0"/>
+              </a:rPr>
+              <a:t>Command</a:t>
+            </a:r>
+            <a:endParaRPr lang="en-US" sz="3200" b="1" dirty="0">
+              <a:latin typeface="Arial" panose="020B0604020202020204" pitchFamily="34" charset="0"/>
+              <a:cs typeface="Arial" panose="020B0604020202020204" pitchFamily="34" charset="0"/>
+            </a:endParaRPr>
+          </a:p>
+        </p:txBody>
+      </p:sp>
+      <p:sp>
+        <p:nvSpPr>
+          <p:cNvPr id="4" name="TextBox 3"/>
+          <p:cNvSpPr txBox="1"/>
+          <p:nvPr/>
+        </p:nvSpPr>
+        <p:spPr>
+          <a:xfrm>
+            <a:off x="10414535" y="362885"/>
+            <a:ext cx="760396" cy="646331"/>
+          </a:xfrm>
+          <a:prstGeom prst="rect">
+            <a:avLst/>
+          </a:prstGeom>
+          <a:noFill/>
+        </p:spPr>
+        <p:txBody>
+          <a:bodyPr wrap="square" rtlCol="0">
+            <a:spAutoFit/>
+          </a:bodyPr>
+          <a:lstStyle/>
+          <a:p>
+            <a:r>
+              <a:rPr lang="en-US" sz="3600" b="1" dirty="0" smtClean="0">
+                <a:latin typeface="Arial" panose="020B0604020202020204" pitchFamily="34" charset="0"/>
+                <a:cs typeface="Arial" panose="020B0604020202020204" pitchFamily="34" charset="0"/>
+              </a:rPr>
+              <a:t>24</a:t>
+            </a:r>
+            <a:endParaRPr lang="en-US" sz="3600" b="1" dirty="0">
+              <a:latin typeface="Arial" panose="020B0604020202020204" pitchFamily="34" charset="0"/>
+              <a:cs typeface="Arial" panose="020B0604020202020204" pitchFamily="34" charset="0"/>
+            </a:endParaRPr>
+          </a:p>
+        </p:txBody>
+      </p:sp>
+      <p:sp>
+        <p:nvSpPr>
+          <p:cNvPr id="7" name="TextBox 6"/>
+          <p:cNvSpPr txBox="1"/>
+          <p:nvPr/>
+        </p:nvSpPr>
+        <p:spPr>
+          <a:xfrm>
+            <a:off x="144378" y="1009216"/>
+            <a:ext cx="10197967" cy="707886"/>
+          </a:xfrm>
+          <a:prstGeom prst="rect">
+            <a:avLst/>
+          </a:prstGeom>
+          <a:noFill/>
+        </p:spPr>
+        <p:txBody>
+          <a:bodyPr wrap="square" rtlCol="0">
+            <a:spAutoFit/>
+          </a:bodyPr>
+          <a:lstStyle/>
+          <a:p>
+            <a:r>
+              <a:rPr lang="en-US" sz="2000" b="1" dirty="0">
+                <a:latin typeface="Arial" panose="020B0604020202020204" pitchFamily="34" charset="0"/>
+                <a:cs typeface="Arial" panose="020B0604020202020204" pitchFamily="34" charset="0"/>
+              </a:rPr>
+              <a:t>Javac Command</a:t>
+            </a:r>
+          </a:p>
+          <a:p>
+            <a:endParaRPr lang="en-US" sz="2000" dirty="0">
+              <a:latin typeface="Arial" panose="020B0604020202020204" pitchFamily="34" charset="0"/>
+              <a:cs typeface="Arial" panose="020B0604020202020204" pitchFamily="34" charset="0"/>
+            </a:endParaRPr>
+          </a:p>
+        </p:txBody>
+      </p:sp>
+      <p:sp>
+        <p:nvSpPr>
+          <p:cNvPr id="5" name="TextBox 4"/>
+          <p:cNvSpPr txBox="1"/>
+          <p:nvPr/>
+        </p:nvSpPr>
+        <p:spPr>
+          <a:xfrm>
+            <a:off x="1049154" y="1601599"/>
+            <a:ext cx="10857297" cy="2554545"/>
+          </a:xfrm>
+          <a:prstGeom prst="rect">
+            <a:avLst/>
+          </a:prstGeom>
+          <a:noFill/>
+        </p:spPr>
+        <p:txBody>
+          <a:bodyPr wrap="square" rtlCol="0">
+            <a:spAutoFit/>
+          </a:bodyPr>
+          <a:lstStyle/>
+          <a:p>
+            <a:r>
+              <a:rPr lang="en-US" sz="2000" dirty="0">
+                <a:latin typeface="Arial" panose="020B0604020202020204" pitchFamily="34" charset="0"/>
+                <a:cs typeface="Arial" panose="020B0604020202020204" pitchFamily="34" charset="0"/>
+              </a:rPr>
+              <a:t>Java programs are compiled using the </a:t>
+            </a:r>
+            <a:r>
+              <a:rPr lang="en-US" sz="2000" b="1" dirty="0">
+                <a:solidFill>
+                  <a:schemeClr val="bg2">
+                    <a:lumMod val="60000"/>
+                    <a:lumOff val="40000"/>
+                  </a:schemeClr>
+                </a:solidFill>
+                <a:latin typeface="Arial" panose="020B0604020202020204" pitchFamily="34" charset="0"/>
+                <a:cs typeface="Arial" panose="020B0604020202020204" pitchFamily="34" charset="0"/>
+              </a:rPr>
+              <a:t>javac</a:t>
+            </a:r>
+            <a:r>
+              <a:rPr lang="en-US" sz="2000" dirty="0">
+                <a:latin typeface="Arial" panose="020B0604020202020204" pitchFamily="34" charset="0"/>
+                <a:cs typeface="Arial" panose="020B0604020202020204" pitchFamily="34" charset="0"/>
+              </a:rPr>
+              <a:t> command. It takes .java files as input and generates bytecode</a:t>
+            </a:r>
+            <a:r>
+              <a:rPr lang="en-US" sz="2000" dirty="0" smtClean="0">
+                <a:latin typeface="Arial" panose="020B0604020202020204" pitchFamily="34" charset="0"/>
+                <a:cs typeface="Arial" panose="020B0604020202020204" pitchFamily="34" charset="0"/>
+              </a:rPr>
+              <a:t>.</a:t>
+            </a:r>
+          </a:p>
+          <a:p>
+            <a:endParaRPr lang="en-US" sz="2000" dirty="0">
+              <a:latin typeface="Arial" panose="020B0604020202020204" pitchFamily="34" charset="0"/>
+              <a:cs typeface="Arial" panose="020B0604020202020204" pitchFamily="34" charset="0"/>
+            </a:endParaRPr>
+          </a:p>
+          <a:p>
+            <a:r>
+              <a:rPr lang="en-US" sz="2000" dirty="0" smtClean="0">
+                <a:latin typeface="Arial" panose="020B0604020202020204" pitchFamily="34" charset="0"/>
+                <a:cs typeface="Arial" panose="020B0604020202020204" pitchFamily="34" charset="0"/>
+              </a:rPr>
+              <a:t>Syntax :-</a:t>
+            </a:r>
+          </a:p>
+          <a:p>
+            <a:endParaRPr lang="en-US" sz="2000" dirty="0">
+              <a:latin typeface="Arial" panose="020B0604020202020204" pitchFamily="34" charset="0"/>
+              <a:cs typeface="Arial" panose="020B0604020202020204" pitchFamily="34" charset="0"/>
+            </a:endParaRPr>
+          </a:p>
+          <a:p>
+            <a:r>
+              <a:rPr lang="en-US" sz="2000" dirty="0" smtClean="0">
+                <a:latin typeface="Arial" panose="020B0604020202020204" pitchFamily="34" charset="0"/>
+                <a:cs typeface="Arial" panose="020B0604020202020204" pitchFamily="34" charset="0"/>
+              </a:rPr>
+              <a:t>javac test.java </a:t>
+            </a:r>
+            <a:endParaRPr lang="en-US" sz="2000" dirty="0">
+              <a:latin typeface="Arial" panose="020B0604020202020204" pitchFamily="34" charset="0"/>
+              <a:cs typeface="Arial" panose="020B0604020202020204" pitchFamily="34" charset="0"/>
+            </a:endParaRPr>
+          </a:p>
+          <a:p>
+            <a:r>
+              <a:rPr lang="en-US" sz="2000" dirty="0">
+                <a:latin typeface="Arial" panose="020B0604020202020204" pitchFamily="34" charset="0"/>
+                <a:cs typeface="Arial" panose="020B0604020202020204" pitchFamily="34" charset="0"/>
+              </a:rPr>
+              <a:t/>
+            </a:r>
+            <a:br>
+              <a:rPr lang="en-US" sz="2000" dirty="0">
+                <a:latin typeface="Arial" panose="020B0604020202020204" pitchFamily="34" charset="0"/>
+                <a:cs typeface="Arial" panose="020B0604020202020204" pitchFamily="34" charset="0"/>
+              </a:rPr>
+            </a:br>
+            <a:endParaRPr lang="en-US" sz="2000" dirty="0">
+              <a:latin typeface="Arial" panose="020B0604020202020204" pitchFamily="34" charset="0"/>
+              <a:cs typeface="Arial" panose="020B0604020202020204" pitchFamily="34" charset="0"/>
+            </a:endParaRPr>
+          </a:p>
+        </p:txBody>
+      </p:sp>
+      <p:sp>
+        <p:nvSpPr>
+          <p:cNvPr id="8" name="Rectangle 7"/>
+          <p:cNvSpPr/>
+          <p:nvPr/>
+        </p:nvSpPr>
+        <p:spPr>
+          <a:xfrm>
+            <a:off x="144378" y="3971478"/>
+            <a:ext cx="2081019" cy="400110"/>
+          </a:xfrm>
+          <a:prstGeom prst="rect">
+            <a:avLst/>
+          </a:prstGeom>
+        </p:spPr>
+        <p:txBody>
+          <a:bodyPr wrap="none">
+            <a:spAutoFit/>
+          </a:bodyPr>
+          <a:lstStyle/>
+          <a:p>
+            <a:r>
+              <a:rPr lang="en-US" sz="2000" b="1" dirty="0">
+                <a:latin typeface="Arial" panose="020B0604020202020204" pitchFamily="34" charset="0"/>
+                <a:cs typeface="Arial" panose="020B0604020202020204" pitchFamily="34" charset="0"/>
+              </a:rPr>
+              <a:t>Java Command</a:t>
+            </a:r>
+            <a:endParaRPr lang="en-US" sz="2000" b="1" i="0" dirty="0">
+              <a:effectLst/>
+              <a:latin typeface="Arial" panose="020B0604020202020204" pitchFamily="34" charset="0"/>
+              <a:cs typeface="Arial" panose="020B0604020202020204" pitchFamily="34" charset="0"/>
+            </a:endParaRPr>
+          </a:p>
+        </p:txBody>
+      </p:sp>
+      <p:sp>
+        <p:nvSpPr>
+          <p:cNvPr id="9" name="Rectangle 8"/>
+          <p:cNvSpPr/>
+          <p:nvPr/>
+        </p:nvSpPr>
+        <p:spPr>
+          <a:xfrm>
+            <a:off x="1049153" y="4536253"/>
+            <a:ext cx="10664791" cy="1938992"/>
+          </a:xfrm>
+          <a:prstGeom prst="rect">
+            <a:avLst/>
+          </a:prstGeom>
+        </p:spPr>
+        <p:txBody>
+          <a:bodyPr wrap="square">
+            <a:spAutoFit/>
+          </a:bodyPr>
+          <a:lstStyle/>
+          <a:p>
+            <a:r>
+              <a:rPr lang="en-US" sz="2000" dirty="0">
+                <a:latin typeface="Arial" panose="020B0604020202020204" pitchFamily="34" charset="0"/>
+                <a:cs typeface="Arial" panose="020B0604020202020204" pitchFamily="34" charset="0"/>
+              </a:rPr>
+              <a:t>The </a:t>
+            </a:r>
+            <a:r>
+              <a:rPr lang="en-US" sz="2000" b="1" dirty="0">
+                <a:solidFill>
+                  <a:schemeClr val="bg2">
+                    <a:lumMod val="60000"/>
+                    <a:lumOff val="40000"/>
+                  </a:schemeClr>
+                </a:solidFill>
+                <a:latin typeface="Arial" panose="020B0604020202020204" pitchFamily="34" charset="0"/>
+                <a:cs typeface="Arial" panose="020B0604020202020204" pitchFamily="34" charset="0"/>
+              </a:rPr>
+              <a:t>Java</a:t>
+            </a:r>
+            <a:r>
+              <a:rPr lang="en-US" sz="2000" dirty="0">
+                <a:latin typeface="Arial" panose="020B0604020202020204" pitchFamily="34" charset="0"/>
+                <a:cs typeface="Arial" panose="020B0604020202020204" pitchFamily="34" charset="0"/>
+              </a:rPr>
+              <a:t> command is used to execute Java bytecode. It takes bytecode as input, executes it, and outputs the result</a:t>
+            </a:r>
+            <a:r>
+              <a:rPr lang="en-US" sz="2000" dirty="0" smtClean="0">
+                <a:latin typeface="Arial" panose="020B0604020202020204" pitchFamily="34" charset="0"/>
+                <a:cs typeface="Arial" panose="020B0604020202020204" pitchFamily="34" charset="0"/>
+              </a:rPr>
+              <a:t>.</a:t>
+            </a:r>
+          </a:p>
+          <a:p>
+            <a:endParaRPr lang="en-US" sz="2000" dirty="0">
+              <a:latin typeface="Arial" panose="020B0604020202020204" pitchFamily="34" charset="0"/>
+              <a:cs typeface="Arial" panose="020B0604020202020204" pitchFamily="34" charset="0"/>
+            </a:endParaRPr>
+          </a:p>
+          <a:p>
+            <a:r>
+              <a:rPr lang="en-US" sz="2000" dirty="0" smtClean="0">
+                <a:latin typeface="Arial" panose="020B0604020202020204" pitchFamily="34" charset="0"/>
+                <a:cs typeface="Arial" panose="020B0604020202020204" pitchFamily="34" charset="0"/>
+              </a:rPr>
+              <a:t>Syntax :-</a:t>
+            </a:r>
+          </a:p>
+          <a:p>
+            <a:endParaRPr lang="en-US" sz="2000" dirty="0">
+              <a:latin typeface="Arial" panose="020B0604020202020204" pitchFamily="34" charset="0"/>
+              <a:cs typeface="Arial" panose="020B0604020202020204" pitchFamily="34" charset="0"/>
+            </a:endParaRPr>
+          </a:p>
+          <a:p>
+            <a:r>
+              <a:rPr lang="en-US" sz="2000" dirty="0" smtClean="0">
+                <a:latin typeface="Arial" panose="020B0604020202020204" pitchFamily="34" charset="0"/>
+                <a:cs typeface="Arial" panose="020B0604020202020204" pitchFamily="34" charset="0"/>
+              </a:rPr>
+              <a:t>Java Megha</a:t>
+            </a:r>
+            <a:endParaRPr lang="en-US" sz="2000" dirty="0">
+              <a:latin typeface="Arial" panose="020B0604020202020204" pitchFamily="34" charset="0"/>
+              <a:cs typeface="Arial" panose="020B0604020202020204" pitchFamily="34" charset="0"/>
+            </a:endParaRPr>
+          </a:p>
+        </p:txBody>
+      </p:sp>
+    </p:spTree>
+    <p:extLst>
+      <p:ext uri="{BB962C8B-B14F-4D97-AF65-F5344CB8AC3E}">
+        <p14:creationId xmlns:p14="http://schemas.microsoft.com/office/powerpoint/2010/main" val="2217904299"/>
+      </p:ext>
+    </p:extLst>
+  </p:cSld>
+  <p:clrMapOvr>
+    <a:masterClrMapping/>
+  </p:clrMapOvr>
+  <p:timing>
+    <p:tnLst>
+      <p:par>
+        <p:cTn id="1" dur="indefinite" restart="never" nodeType="tmRoot"/>
+      </p:par>
+    </p:tnLst>
+  </p:timing>
+</p:sld>
+</file>
+
+<file path=ppt/slides/slide26.xml><?xml version="1.0" encoding="utf-8"?>
+<p:sld xmlns:a="http://schemas.openxmlformats.org/drawingml/2006/main" xmlns:r="http://schemas.openxmlformats.org/officeDocument/2006/relationships" xmlns:p="http://schemas.openxmlformats.org/presentationml/2006/main">
+  <p:cSld>
+    <p:spTree>
+      <p:nvGrpSpPr>
+        <p:cNvPr id="1" name=""/>
+        <p:cNvGrpSpPr/>
+        <p:nvPr/>
+      </p:nvGrpSpPr>
+      <p:grpSpPr>
+        <a:xfrm>
+          <a:off x="0" y="0"/>
+          <a:ext cx="0" cy="0"/>
+          <a:chOff x="0" y="0"/>
+          <a:chExt cx="0" cy="0"/>
+        </a:xfrm>
+      </p:grpSpPr>
+      <p:sp>
+        <p:nvSpPr>
+          <p:cNvPr id="2" name="TextBox 1"/>
+          <p:cNvSpPr txBox="1"/>
+          <p:nvPr/>
+        </p:nvSpPr>
+        <p:spPr>
+          <a:xfrm>
+            <a:off x="490889" y="1318661"/>
+            <a:ext cx="10520412" cy="1323439"/>
+          </a:xfrm>
+          <a:prstGeom prst="rect">
+            <a:avLst/>
+          </a:prstGeom>
+          <a:noFill/>
+        </p:spPr>
+        <p:txBody>
+          <a:bodyPr wrap="square" rtlCol="0">
+            <a:spAutoFit/>
+          </a:bodyPr>
+          <a:lstStyle/>
+          <a:p>
+            <a:pPr marL="342900" indent="-342900">
+              <a:buFont typeface="Wingdings" panose="05000000000000000000" pitchFamily="2" charset="2"/>
+              <a:buChar char="q"/>
+            </a:pPr>
+            <a:r>
+              <a:rPr lang="en-US" sz="2000" dirty="0">
+                <a:latin typeface="Arial" panose="020B0604020202020204" pitchFamily="34" charset="0"/>
+                <a:cs typeface="Arial" panose="020B0604020202020204" pitchFamily="34" charset="0"/>
+              </a:rPr>
+              <a:t>We have seen how to run a Java program using notepad.</a:t>
+            </a:r>
+          </a:p>
+          <a:p>
+            <a:pPr marL="342900" indent="-342900">
+              <a:buFont typeface="Wingdings" panose="05000000000000000000" pitchFamily="2" charset="2"/>
+              <a:buChar char="q"/>
+            </a:pPr>
+            <a:r>
+              <a:rPr lang="en-US" sz="2000" dirty="0">
+                <a:latin typeface="Arial" panose="020B0604020202020204" pitchFamily="34" charset="0"/>
+                <a:cs typeface="Arial" panose="020B0604020202020204" pitchFamily="34" charset="0"/>
+              </a:rPr>
+              <a:t>Create the Java file using Notepad and run it using Java and Javac commands.</a:t>
+            </a:r>
+          </a:p>
+          <a:p>
+            <a:pPr marL="342900" indent="-342900">
+              <a:buFont typeface="Wingdings" panose="05000000000000000000" pitchFamily="2" charset="2"/>
+              <a:buChar char="q"/>
+            </a:pPr>
+            <a:r>
+              <a:rPr lang="en-US" sz="2000" dirty="0">
+                <a:latin typeface="Arial" panose="020B0604020202020204" pitchFamily="34" charset="0"/>
+                <a:cs typeface="Arial" panose="020B0604020202020204" pitchFamily="34" charset="0"/>
+              </a:rPr>
+              <a:t>Java programs are compiled using the </a:t>
+            </a:r>
+            <a:r>
+              <a:rPr lang="en-US" sz="2000" b="1" dirty="0">
+                <a:latin typeface="Arial" panose="020B0604020202020204" pitchFamily="34" charset="0"/>
+                <a:cs typeface="Arial" panose="020B0604020202020204" pitchFamily="34" charset="0"/>
+              </a:rPr>
+              <a:t>Javac</a:t>
+            </a:r>
+            <a:r>
+              <a:rPr lang="en-US" sz="2000" dirty="0">
+                <a:latin typeface="Arial" panose="020B0604020202020204" pitchFamily="34" charset="0"/>
+                <a:cs typeface="Arial" panose="020B0604020202020204" pitchFamily="34" charset="0"/>
+              </a:rPr>
+              <a:t> command.</a:t>
+            </a:r>
+          </a:p>
+          <a:p>
+            <a:pPr marL="342900" indent="-342900">
+              <a:buFont typeface="Wingdings" panose="05000000000000000000" pitchFamily="2" charset="2"/>
+              <a:buChar char="q"/>
+            </a:pPr>
+            <a:r>
+              <a:rPr lang="en-US" sz="2000" dirty="0">
+                <a:latin typeface="Arial" panose="020B0604020202020204" pitchFamily="34" charset="0"/>
+                <a:cs typeface="Arial" panose="020B0604020202020204" pitchFamily="34" charset="0"/>
+              </a:rPr>
+              <a:t>The Java command is used to execute Java bytecode.</a:t>
+            </a:r>
+          </a:p>
+        </p:txBody>
+      </p:sp>
+      <p:sp>
+        <p:nvSpPr>
+          <p:cNvPr id="3" name="TextBox 2"/>
+          <p:cNvSpPr txBox="1"/>
+          <p:nvPr/>
+        </p:nvSpPr>
+        <p:spPr>
+          <a:xfrm>
+            <a:off x="0" y="134754"/>
+            <a:ext cx="4803007" cy="584775"/>
+          </a:xfrm>
+          <a:prstGeom prst="rect">
+            <a:avLst/>
+          </a:prstGeom>
+          <a:noFill/>
+        </p:spPr>
+        <p:txBody>
+          <a:bodyPr wrap="square" rtlCol="0">
+            <a:spAutoFit/>
+          </a:bodyPr>
+          <a:lstStyle/>
+          <a:p>
+            <a:r>
+              <a:rPr lang="en-US" sz="3200" b="1" dirty="0" smtClean="0">
+                <a:latin typeface="Arial" panose="020B0604020202020204" pitchFamily="34" charset="0"/>
+                <a:cs typeface="Arial" panose="020B0604020202020204" pitchFamily="34" charset="0"/>
+              </a:rPr>
+              <a:t>Conclusion :-</a:t>
+            </a:r>
+            <a:endParaRPr lang="en-US" sz="3200" b="1" dirty="0">
+              <a:latin typeface="Arial" panose="020B0604020202020204" pitchFamily="34" charset="0"/>
+              <a:cs typeface="Arial" panose="020B0604020202020204" pitchFamily="34" charset="0"/>
+            </a:endParaRPr>
+          </a:p>
+        </p:txBody>
+      </p:sp>
+      <p:sp>
+        <p:nvSpPr>
+          <p:cNvPr id="4" name="TextBox 3"/>
+          <p:cNvSpPr txBox="1"/>
+          <p:nvPr/>
+        </p:nvSpPr>
+        <p:spPr>
+          <a:xfrm>
+            <a:off x="10414535" y="362885"/>
+            <a:ext cx="760396" cy="646331"/>
+          </a:xfrm>
+          <a:prstGeom prst="rect">
+            <a:avLst/>
+          </a:prstGeom>
+          <a:noFill/>
+        </p:spPr>
+        <p:txBody>
+          <a:bodyPr wrap="square" rtlCol="0">
+            <a:spAutoFit/>
+          </a:bodyPr>
+          <a:lstStyle/>
+          <a:p>
+            <a:r>
+              <a:rPr lang="en-US" sz="3600" b="1" dirty="0" smtClean="0">
+                <a:latin typeface="Arial" panose="020B0604020202020204" pitchFamily="34" charset="0"/>
+                <a:cs typeface="Arial" panose="020B0604020202020204" pitchFamily="34" charset="0"/>
+              </a:rPr>
+              <a:t>25</a:t>
+            </a:r>
+            <a:endParaRPr lang="en-US" sz="3600" b="1" dirty="0">
+              <a:latin typeface="Arial" panose="020B0604020202020204" pitchFamily="34" charset="0"/>
+              <a:cs typeface="Arial" panose="020B0604020202020204" pitchFamily="34" charset="0"/>
+            </a:endParaRPr>
+          </a:p>
+        </p:txBody>
+      </p:sp>
+    </p:spTree>
+    <p:extLst>
+      <p:ext uri="{BB962C8B-B14F-4D97-AF65-F5344CB8AC3E}">
+        <p14:creationId xmlns:p14="http://schemas.microsoft.com/office/powerpoint/2010/main" val="1526996574"/>
+      </p:ext>
+    </p:extLst>
+  </p:cSld>
+  <p:clrMapOvr>
+    <a:masterClrMapping/>
+  </p:clrMapOvr>
+  <p:timing>
+    <p:tnLst>
+      <p:par>
+        <p:cTn id="1" dur="indefinite" restart="never" nodeType="tmRoot"/>
+      </p:par>
+    </p:tnLst>
+  </p:timing>
+</p:sld>
+</file>
+
 <file path=ppt/slides/slide3.xml><?xml version="1.0" encoding="utf-8"?>
 <p:sld xmlns:a="http://schemas.openxmlformats.org/drawingml/2006/main" xmlns:r="http://schemas.openxmlformats.org/officeDocument/2006/relationships" xmlns:p="http://schemas.openxmlformats.org/presentationml/2006/main">
   <p:cSld>
@@ -11368,8 +13893,19 @@
                 <a:latin typeface="Arial" panose="020B0604020202020204" pitchFamily="34" charset="0"/>
                 <a:cs typeface="Arial" panose="020B0604020202020204" pitchFamily="34" charset="0"/>
               </a:rPr>
-              <a:t> Java filename</a:t>
-            </a:r>
+              <a:t> Java </a:t>
+            </a:r>
+            <a:r>
+              <a:rPr lang="en-US" sz="2000" dirty="0" smtClean="0">
+                <a:latin typeface="Arial" panose="020B0604020202020204" pitchFamily="34" charset="0"/>
+                <a:cs typeface="Arial" panose="020B0604020202020204" pitchFamily="34" charset="0"/>
+              </a:rPr>
+              <a:t>Classname</a:t>
+            </a:r>
+            <a:endParaRPr lang="en-US" sz="2000" dirty="0" smtClean="0">
+              <a:latin typeface="Arial" panose="020B0604020202020204" pitchFamily="34" charset="0"/>
+              <a:cs typeface="Arial" panose="020B0604020202020204" pitchFamily="34" charset="0"/>
+            </a:endParaRPr>
           </a:p>
           <a:p>
             <a:pPr marL="342900" indent="-342900">
@@ -12836,358 +15372,6 @@
           </a:p>
         </p:txBody>
       </p:sp>
-      <p:sp>
-        <p:nvSpPr>
-          <p:cNvPr id="8" name="Oval 7"/>
-          <p:cNvSpPr/>
-          <p:nvPr/>
-        </p:nvSpPr>
-        <p:spPr>
-          <a:xfrm>
-            <a:off x="1203158" y="2050181"/>
-            <a:ext cx="9346131" cy="4572000"/>
-          </a:xfrm>
-          <a:prstGeom prst="ellipse">
-            <a:avLst/>
-          </a:prstGeom>
-          <a:solidFill>
-            <a:schemeClr val="bg2">
-              <a:lumMod val="40000"/>
-              <a:lumOff val="60000"/>
-            </a:schemeClr>
-          </a:solidFill>
-        </p:spPr>
-        <p:style>
-          <a:lnRef idx="2">
-            <a:schemeClr val="accent1">
-              <a:shade val="50000"/>
-            </a:schemeClr>
-          </a:lnRef>
-          <a:fillRef idx="1">
-            <a:schemeClr val="accent1"/>
-          </a:fillRef>
-          <a:effectRef idx="0">
-            <a:schemeClr val="accent1"/>
-          </a:effectRef>
-          <a:fontRef idx="minor">
-            <a:schemeClr val="lt1"/>
-          </a:fontRef>
-        </p:style>
-        <p:txBody>
-          <a:bodyPr rtlCol="0" anchor="ctr"/>
-          <a:lstStyle/>
-          <a:p>
-            <a:pPr algn="ctr"/>
-            <a:endParaRPr lang="en-US"/>
-          </a:p>
-        </p:txBody>
-      </p:sp>
-      <p:sp>
-        <p:nvSpPr>
-          <p:cNvPr id="10" name="TextBox 9"/>
-          <p:cNvSpPr txBox="1"/>
-          <p:nvPr/>
-        </p:nvSpPr>
-        <p:spPr>
-          <a:xfrm>
-            <a:off x="2483319" y="4136126"/>
-            <a:ext cx="2695073" cy="400110"/>
-          </a:xfrm>
-          <a:prstGeom prst="rect">
-            <a:avLst/>
-          </a:prstGeom>
-          <a:noFill/>
-        </p:spPr>
-        <p:txBody>
-          <a:bodyPr wrap="square" rtlCol="0">
-            <a:spAutoFit/>
-          </a:bodyPr>
-          <a:lstStyle/>
-          <a:p>
-            <a:r>
-              <a:rPr lang="en-US" sz="2000" b="1" dirty="0" smtClean="0">
-                <a:solidFill>
-                  <a:schemeClr val="bg1"/>
-                </a:solidFill>
-                <a:latin typeface="Arial" panose="020B0604020202020204" pitchFamily="34" charset="0"/>
-                <a:cs typeface="Arial" panose="020B0604020202020204" pitchFamily="34" charset="0"/>
-              </a:rPr>
-              <a:t>Compiler          +</a:t>
-            </a:r>
-            <a:endParaRPr lang="en-US" sz="2000" b="1" dirty="0">
-              <a:solidFill>
-                <a:schemeClr val="bg1"/>
-              </a:solidFill>
-              <a:latin typeface="Arial" panose="020B0604020202020204" pitchFamily="34" charset="0"/>
-              <a:cs typeface="Arial" panose="020B0604020202020204" pitchFamily="34" charset="0"/>
-            </a:endParaRPr>
-          </a:p>
-        </p:txBody>
-      </p:sp>
-      <p:sp>
-        <p:nvSpPr>
-          <p:cNvPr id="11" name="Oval 10"/>
-          <p:cNvSpPr/>
-          <p:nvPr/>
-        </p:nvSpPr>
-        <p:spPr>
-          <a:xfrm>
-            <a:off x="4860758" y="2627697"/>
-            <a:ext cx="4562375" cy="3416968"/>
-          </a:xfrm>
-          <a:prstGeom prst="ellipse">
-            <a:avLst/>
-          </a:prstGeom>
-          <a:solidFill>
-            <a:schemeClr val="accent2">
-              <a:lumMod val="20000"/>
-              <a:lumOff val="80000"/>
-            </a:schemeClr>
-          </a:solidFill>
-        </p:spPr>
-        <p:style>
-          <a:lnRef idx="2">
-            <a:schemeClr val="accent1">
-              <a:shade val="50000"/>
-            </a:schemeClr>
-          </a:lnRef>
-          <a:fillRef idx="1">
-            <a:schemeClr val="accent1"/>
-          </a:fillRef>
-          <a:effectRef idx="0">
-            <a:schemeClr val="accent1"/>
-          </a:effectRef>
-          <a:fontRef idx="minor">
-            <a:schemeClr val="lt1"/>
-          </a:fontRef>
-        </p:style>
-        <p:txBody>
-          <a:bodyPr rtlCol="0" anchor="ctr"/>
-          <a:lstStyle/>
-          <a:p>
-            <a:pPr algn="ctr"/>
-            <a:endParaRPr lang="en-US"/>
-          </a:p>
-        </p:txBody>
-      </p:sp>
-      <p:sp>
-        <p:nvSpPr>
-          <p:cNvPr id="14" name="TextBox 13"/>
-          <p:cNvSpPr txBox="1"/>
-          <p:nvPr/>
-        </p:nvSpPr>
-        <p:spPr>
-          <a:xfrm>
-            <a:off x="6713621" y="2964581"/>
-            <a:ext cx="856648" cy="400110"/>
-          </a:xfrm>
-          <a:prstGeom prst="rect">
-            <a:avLst/>
-          </a:prstGeom>
-          <a:noFill/>
-        </p:spPr>
-        <p:txBody>
-          <a:bodyPr wrap="square" rtlCol="0">
-            <a:spAutoFit/>
-          </a:bodyPr>
-          <a:lstStyle/>
-          <a:p>
-            <a:r>
-              <a:rPr lang="en-US" sz="2000" b="1" dirty="0" smtClean="0">
-                <a:solidFill>
-                  <a:schemeClr val="bg1"/>
-                </a:solidFill>
-                <a:latin typeface="Arial" panose="020B0604020202020204" pitchFamily="34" charset="0"/>
-                <a:cs typeface="Arial" panose="020B0604020202020204" pitchFamily="34" charset="0"/>
-              </a:rPr>
-              <a:t>JRE</a:t>
-            </a:r>
-            <a:endParaRPr lang="en-US" sz="2000" b="1" dirty="0">
-              <a:solidFill>
-                <a:schemeClr val="bg1"/>
-              </a:solidFill>
-              <a:latin typeface="Arial" panose="020B0604020202020204" pitchFamily="34" charset="0"/>
-              <a:cs typeface="Arial" panose="020B0604020202020204" pitchFamily="34" charset="0"/>
-            </a:endParaRPr>
-          </a:p>
-        </p:txBody>
-      </p:sp>
-      <p:sp>
-        <p:nvSpPr>
-          <p:cNvPr id="17" name="Oval 16"/>
-          <p:cNvSpPr/>
-          <p:nvPr/>
-        </p:nvSpPr>
-        <p:spPr>
-          <a:xfrm>
-            <a:off x="5871410" y="3482269"/>
-            <a:ext cx="2541070" cy="2107933"/>
-          </a:xfrm>
-          <a:prstGeom prst="ellipse">
-            <a:avLst/>
-          </a:prstGeom>
-          <a:solidFill>
-            <a:schemeClr val="accent4">
-              <a:lumMod val="60000"/>
-              <a:lumOff val="40000"/>
-            </a:schemeClr>
-          </a:solidFill>
-        </p:spPr>
-        <p:style>
-          <a:lnRef idx="2">
-            <a:schemeClr val="accent1">
-              <a:shade val="50000"/>
-            </a:schemeClr>
-          </a:lnRef>
-          <a:fillRef idx="1">
-            <a:schemeClr val="accent1"/>
-          </a:fillRef>
-          <a:effectRef idx="0">
-            <a:schemeClr val="accent1"/>
-          </a:effectRef>
-          <a:fontRef idx="minor">
-            <a:schemeClr val="lt1"/>
-          </a:fontRef>
-        </p:style>
-        <p:txBody>
-          <a:bodyPr rtlCol="0" anchor="ctr"/>
-          <a:lstStyle/>
-          <a:p>
-            <a:pPr algn="ctr"/>
-            <a:endParaRPr lang="en-US"/>
-          </a:p>
-        </p:txBody>
-      </p:sp>
-      <p:sp>
-        <p:nvSpPr>
-          <p:cNvPr id="18" name="TextBox 17"/>
-          <p:cNvSpPr txBox="1"/>
-          <p:nvPr/>
-        </p:nvSpPr>
-        <p:spPr>
-          <a:xfrm>
-            <a:off x="6713621" y="4162264"/>
-            <a:ext cx="962526" cy="400110"/>
-          </a:xfrm>
-          <a:prstGeom prst="rect">
-            <a:avLst/>
-          </a:prstGeom>
-          <a:noFill/>
-        </p:spPr>
-        <p:txBody>
-          <a:bodyPr wrap="square" rtlCol="0">
-            <a:spAutoFit/>
-          </a:bodyPr>
-          <a:lstStyle/>
-          <a:p>
-            <a:r>
-              <a:rPr lang="en-US" sz="2000" b="1" dirty="0" smtClean="0">
-                <a:solidFill>
-                  <a:schemeClr val="bg1"/>
-                </a:solidFill>
-                <a:latin typeface="Arial" panose="020B0604020202020204" pitchFamily="34" charset="0"/>
-                <a:cs typeface="Arial" panose="020B0604020202020204" pitchFamily="34" charset="0"/>
-              </a:rPr>
-              <a:t>JVM</a:t>
-            </a:r>
-            <a:endParaRPr lang="en-US" sz="2000" b="1" dirty="0">
-              <a:solidFill>
-                <a:schemeClr val="bg1"/>
-              </a:solidFill>
-              <a:latin typeface="Arial" panose="020B0604020202020204" pitchFamily="34" charset="0"/>
-              <a:cs typeface="Arial" panose="020B0604020202020204" pitchFamily="34" charset="0"/>
-            </a:endParaRPr>
-          </a:p>
-        </p:txBody>
-      </p:sp>
-      <p:sp>
-        <p:nvSpPr>
-          <p:cNvPr id="23" name="Rectangle 22"/>
-          <p:cNvSpPr/>
-          <p:nvPr/>
-        </p:nvSpPr>
-        <p:spPr>
-          <a:xfrm>
-            <a:off x="4639376" y="1365937"/>
-            <a:ext cx="2194560" cy="528352"/>
-          </a:xfrm>
-          <a:prstGeom prst="rect">
-            <a:avLst/>
-          </a:prstGeom>
-          <a:solidFill>
-            <a:schemeClr val="accent3">
-              <a:lumMod val="20000"/>
-              <a:lumOff val="80000"/>
-            </a:schemeClr>
-          </a:solidFill>
-        </p:spPr>
-        <p:style>
-          <a:lnRef idx="2">
-            <a:schemeClr val="accent1">
-              <a:shade val="50000"/>
-            </a:schemeClr>
-          </a:lnRef>
-          <a:fillRef idx="1">
-            <a:schemeClr val="accent1"/>
-          </a:fillRef>
-          <a:effectRef idx="0">
-            <a:schemeClr val="accent1"/>
-          </a:effectRef>
-          <a:fontRef idx="minor">
-            <a:schemeClr val="lt1"/>
-          </a:fontRef>
-        </p:style>
-        <p:txBody>
-          <a:bodyPr rtlCol="0" anchor="ctr"/>
-          <a:lstStyle/>
-          <a:p>
-            <a:pPr algn="ctr"/>
-            <a:endParaRPr lang="en-US"/>
-          </a:p>
-        </p:txBody>
-      </p:sp>
-      <p:sp>
-        <p:nvSpPr>
-          <p:cNvPr id="25" name="TextBox 24"/>
-          <p:cNvSpPr txBox="1"/>
-          <p:nvPr/>
-        </p:nvSpPr>
-        <p:spPr>
-          <a:xfrm>
-            <a:off x="5178392" y="1422840"/>
-            <a:ext cx="1010652" cy="400110"/>
-          </a:xfrm>
-          <a:prstGeom prst="rect">
-            <a:avLst/>
-          </a:prstGeom>
-          <a:noFill/>
-        </p:spPr>
-        <p:txBody>
-          <a:bodyPr wrap="square" rtlCol="0">
-            <a:spAutoFit/>
-          </a:bodyPr>
-          <a:lstStyle/>
-          <a:p>
-            <a:r>
-              <a:rPr lang="en-US" sz="2000" b="1" dirty="0" smtClean="0">
-                <a:solidFill>
-                  <a:schemeClr val="bg1"/>
-                </a:solidFill>
-                <a:latin typeface="Arial" panose="020B0604020202020204" pitchFamily="34" charset="0"/>
-                <a:cs typeface="Arial" panose="020B0604020202020204" pitchFamily="34" charset="0"/>
-              </a:rPr>
-              <a:t>JDK</a:t>
-            </a:r>
-            <a:endParaRPr lang="en-US" sz="2000" b="1" dirty="0">
-              <a:solidFill>
-                <a:schemeClr val="bg1"/>
-              </a:solidFill>
-              <a:latin typeface="Arial" panose="020B0604020202020204" pitchFamily="34" charset="0"/>
-              <a:cs typeface="Arial" panose="020B0604020202020204" pitchFamily="34" charset="0"/>
-            </a:endParaRPr>
-          </a:p>
-        </p:txBody>
-      </p:sp>
       <p:pic>
         <p:nvPicPr>
           <p:cNvPr id="2050" name="Picture 2" descr="See the source image"/>
@@ -13196,23 +15380,30 @@
           </p:cNvPicPr>
           <p:nvPr/>
         </p:nvPicPr>
-        <p:blipFill>
+        <p:blipFill rotWithShape="1">
           <a:blip r:embed="rId2">
             <a:extLst>
+              <a:ext uri="{BEBA8EAE-BF5A-486C-A8C5-ECC9F3942E4B}">
+                <a14:imgProps xmlns:a14="http://schemas.microsoft.com/office/drawing/2010/main">
+                  <a14:imgLayer r:embed="rId3">
+                    <a14:imgEffect>
+                      <a14:brightnessContrast bright="-20000" contrast="20000"/>
+                    </a14:imgEffect>
+                  </a14:imgLayer>
+                </a14:imgProps>
+              </a:ext>
               <a:ext uri="{28A0092B-C50C-407E-A947-70E740481C1C}">
                 <a14:useLocalDpi xmlns:a14="http://schemas.microsoft.com/office/drawing/2010/main" val="0"/>
               </a:ext>
             </a:extLst>
           </a:blip>
-          <a:srcRect/>
-          <a:stretch>
-            <a:fillRect/>
-          </a:stretch>
+          <a:srcRect r="3314" b="6262"/>
+          <a:stretch/>
         </p:blipFill>
         <p:spPr bwMode="auto">
           <a:xfrm>
-            <a:off x="4426267" y="1122976"/>
-            <a:ext cx="7972425" cy="4467226"/>
+            <a:off x="1266176" y="1134949"/>
+            <a:ext cx="8878178" cy="4823090"/>
           </a:xfrm>
           <a:prstGeom prst="rect">
             <a:avLst/>
@@ -14038,7 +16229,7 @@
                 <a:latin typeface="Arial" panose="020B0604020202020204" pitchFamily="34" charset="0"/>
                 <a:cs typeface="Arial" panose="020B0604020202020204" pitchFamily="34" charset="0"/>
               </a:rPr>
-              <a:t>7</a:t>
+              <a:t>8</a:t>
             </a:r>
             <a:endParaRPr lang="en-US" sz="3600" b="1" dirty="0">
               <a:latin typeface="Arial" panose="020B0604020202020204" pitchFamily="34" charset="0"/>
